--- a/MFlow.pptx
+++ b/MFlow.pptx
@@ -8,7 +8,7 @@
     <p:notesMasterId r:id="rId4"/>
   </p:notesMasterIdLst>
   <p:handoutMasterIdLst>
-    <p:handoutMasterId r:id="rId10"/>
+    <p:handoutMasterId r:id="rId21"/>
   </p:handoutMasterIdLst>
   <p:sldIdLst>
     <p:sldId id="257" r:id="rId3"/>
@@ -16,7 +16,18 @@
     <p:sldId id="329" r:id="rId6"/>
     <p:sldId id="330" r:id="rId7"/>
     <p:sldId id="331" r:id="rId8"/>
-    <p:sldId id="332" r:id="rId9"/>
+    <p:sldId id="333" r:id="rId9"/>
+    <p:sldId id="334" r:id="rId10"/>
+    <p:sldId id="337" r:id="rId11"/>
+    <p:sldId id="336" r:id="rId12"/>
+    <p:sldId id="339" r:id="rId13"/>
+    <p:sldId id="346" r:id="rId14"/>
+    <p:sldId id="341" r:id="rId15"/>
+    <p:sldId id="343" r:id="rId16"/>
+    <p:sldId id="344" r:id="rId17"/>
+    <p:sldId id="351" r:id="rId18"/>
+    <p:sldId id="352" r:id="rId19"/>
+    <p:sldId id="332" r:id="rId20"/>
   </p:sldIdLst>
   <p:sldSz cx="12192000" cy="6858000"/>
   <p:notesSz cx="6858000" cy="9144000"/>
@@ -3777,7 +3788,7 @@
               <a:defRPr/>
             </a:pPr>
             <a:r>
-              <a:rPr lang="" altLang="en-US" sz="3200" spc="-15" dirty="0">
+              <a:rPr lang="en-US" altLang="en-US" sz="3200" spc="-15" dirty="0">
                 <a:solidFill>
                   <a:srgbClr val="FFFFFF"/>
                 </a:solidFill>
@@ -3973,6 +3984,1862 @@
           </a:fontRef>
         </p:style>
       </p:cxnSp>
+    </p:spTree>
+  </p:cSld>
+  <p:clrMapOvr>
+    <a:masterClrMapping/>
+  </p:clrMapOvr>
+</p:sld>
+</file>
+
+<file path=ppt/slides/slide10.xml><?xml version="1.0" encoding="utf-8"?>
+<p:sld xmlns:a="http://schemas.openxmlformats.org/drawingml/2006/main" xmlns:r="http://schemas.openxmlformats.org/officeDocument/2006/relationships" xmlns:p="http://schemas.openxmlformats.org/presentationml/2006/main">
+  <p:cSld>
+    <p:spTree>
+      <p:nvGrpSpPr>
+        <p:cNvPr id="1" name=""/>
+        <p:cNvGrpSpPr/>
+        <p:nvPr/>
+      </p:nvGrpSpPr>
+      <p:grpSpPr/>
+      <p:sp>
+        <p:nvSpPr>
+          <p:cNvPr id="3" name="文本框 2"/>
+          <p:cNvSpPr txBox="1"/>
+          <p:nvPr/>
+        </p:nvSpPr>
+        <p:spPr>
+          <a:xfrm>
+            <a:off x="746088" y="475991"/>
+            <a:ext cx="1071245" cy="398780"/>
+          </a:xfrm>
+          <a:prstGeom prst="rect">
+            <a:avLst/>
+          </a:prstGeom>
+          <a:noFill/>
+        </p:spPr>
+        <p:txBody>
+          <a:bodyPr wrap="none" rtlCol="0">
+            <a:spAutoFit/>
+          </a:bodyPr>
+          <a:p>
+            <a:r>
+              <a:rPr lang="en-US" altLang="en-US" sz="2000" dirty="0">
+                <a:latin typeface="微软雅黑 Light" panose="020B0502040204020203" pitchFamily="34" charset="-122"/>
+                <a:ea typeface="微软雅黑 Light" panose="020B0502040204020203" pitchFamily="34" charset="-122"/>
+              </a:rPr>
+              <a:t>MLFlow</a:t>
+            </a:r>
+            <a:endParaRPr lang="en-US" altLang="zh-CN" sz="2000" dirty="0">
+              <a:latin typeface="微软雅黑 Light" panose="020B0502040204020203" pitchFamily="34" charset="-122"/>
+              <a:ea typeface="微软雅黑 Light" panose="020B0502040204020203" pitchFamily="34" charset="-122"/>
+            </a:endParaRPr>
+          </a:p>
+        </p:txBody>
+      </p:sp>
+      <p:sp>
+        <p:nvSpPr>
+          <p:cNvPr id="4" name="矩形 3"/>
+          <p:cNvSpPr/>
+          <p:nvPr/>
+        </p:nvSpPr>
+        <p:spPr>
+          <a:xfrm>
+            <a:off x="289435" y="545974"/>
+            <a:ext cx="340519" cy="260145"/>
+          </a:xfrm>
+          <a:prstGeom prst="rect">
+            <a:avLst/>
+          </a:prstGeom>
+          <a:solidFill>
+            <a:schemeClr val="accent1">
+              <a:lumMod val="75000"/>
+            </a:schemeClr>
+          </a:solidFill>
+          <a:ln w="28575">
+            <a:solidFill>
+              <a:schemeClr val="tx1">
+                <a:lumMod val="85000"/>
+                <a:lumOff val="15000"/>
+              </a:schemeClr>
+            </a:solidFill>
+          </a:ln>
+        </p:spPr>
+        <p:style>
+          <a:lnRef idx="2">
+            <a:schemeClr val="accent1">
+              <a:shade val="50000"/>
+            </a:schemeClr>
+          </a:lnRef>
+          <a:fillRef idx="1">
+            <a:schemeClr val="accent1"/>
+          </a:fillRef>
+          <a:effectRef idx="0">
+            <a:schemeClr val="accent1"/>
+          </a:effectRef>
+          <a:fontRef idx="minor">
+            <a:schemeClr val="lt1"/>
+          </a:fontRef>
+        </p:style>
+        <p:txBody>
+          <a:bodyPr rot="0" spcFirstLastPara="0" vertOverflow="overflow" horzOverflow="overflow" vert="horz" wrap="square" lIns="91440" tIns="45720" rIns="91440" bIns="45720" numCol="1" spcCol="0" rtlCol="0" fromWordArt="0" anchor="ctr" anchorCtr="0" forceAA="0" compatLnSpc="1">
+            <a:noAutofit/>
+          </a:bodyPr>
+          <a:p>
+            <a:pPr algn="ctr"/>
+            <a:endParaRPr lang="zh-CN" altLang="en-US"/>
+          </a:p>
+        </p:txBody>
+      </p:sp>
+      <p:sp>
+        <p:nvSpPr>
+          <p:cNvPr id="9" name="文本框 8"/>
+          <p:cNvSpPr txBox="1"/>
+          <p:nvPr/>
+        </p:nvSpPr>
+        <p:spPr>
+          <a:xfrm>
+            <a:off x="3662680" y="970280"/>
+            <a:ext cx="4625975" cy="706755"/>
+          </a:xfrm>
+          <a:prstGeom prst="rect">
+            <a:avLst/>
+          </a:prstGeom>
+          <a:noFill/>
+        </p:spPr>
+        <p:txBody>
+          <a:bodyPr wrap="square" rtlCol="0">
+            <a:spAutoFit/>
+          </a:bodyPr>
+          <a:p>
+            <a:pPr algn="ctr"/>
+            <a:r>
+              <a:rPr lang="en-US" altLang="en-US" sz="4000" b="1" dirty="0">
+                <a:solidFill>
+                  <a:schemeClr val="accent1">
+                    <a:lumMod val="75000"/>
+                  </a:schemeClr>
+                </a:solidFill>
+                <a:latin typeface="微软雅黑" panose="020B0503020204020204" pitchFamily="34" charset="-122"/>
+                <a:ea typeface="微软雅黑" panose="020B0503020204020204" pitchFamily="34" charset="-122"/>
+              </a:rPr>
+              <a:t>ML Registry</a:t>
+            </a:r>
+            <a:endParaRPr lang="en-US" altLang="en-US" sz="4000" b="1" dirty="0">
+              <a:solidFill>
+                <a:schemeClr val="accent1">
+                  <a:lumMod val="75000"/>
+                </a:schemeClr>
+              </a:solidFill>
+              <a:latin typeface="微软雅黑" panose="020B0503020204020204" pitchFamily="34" charset="-122"/>
+              <a:ea typeface="微软雅黑" panose="020B0503020204020204" pitchFamily="34" charset="-122"/>
+            </a:endParaRPr>
+          </a:p>
+        </p:txBody>
+      </p:sp>
+      <p:sp>
+        <p:nvSpPr>
+          <p:cNvPr id="2" name="Text Box 1"/>
+          <p:cNvSpPr txBox="1"/>
+          <p:nvPr/>
+        </p:nvSpPr>
+        <p:spPr>
+          <a:xfrm>
+            <a:off x="5662930" y="2188845"/>
+            <a:ext cx="5367020" cy="3138170"/>
+          </a:xfrm>
+          <a:prstGeom prst="rect">
+            <a:avLst/>
+          </a:prstGeom>
+          <a:noFill/>
+        </p:spPr>
+        <p:txBody>
+          <a:bodyPr wrap="square" rtlCol="0" anchor="t">
+            <a:spAutoFit/>
+          </a:bodyPr>
+          <a:p>
+            <a:pPr algn="just"/>
+            <a:r>
+              <a:rPr lang="en-US"/>
+              <a:t>As you keep improving the models with new data, you will have different versions of models with different accuracy, error level and other metrics. </a:t>
+            </a:r>
+            <a:endParaRPr lang="en-US"/>
+          </a:p>
+          <a:p>
+            <a:pPr algn="just"/>
+            <a:r>
+              <a:rPr lang="en-US"/>
+              <a:t>You might have a different model in production than you do in the development stage. </a:t>
+            </a:r>
+            <a:endParaRPr lang="en-US"/>
+          </a:p>
+          <a:p>
+            <a:pPr algn="just"/>
+            <a:r>
+              <a:rPr lang="en-US"/>
+              <a:t>MLflow Model Registry helps you keep track of which model is present in which stage. You can even archive some of the older models when not in need.</a:t>
+            </a:r>
+            <a:endParaRPr lang="en-US"/>
+          </a:p>
+        </p:txBody>
+      </p:sp>
+      <p:pic>
+        <p:nvPicPr>
+          <p:cNvPr id="5" name="Picture 4" descr="1_EiY-7V7P4kBMmDj06PxeKQ"/>
+          <p:cNvPicPr>
+            <a:picLocks noChangeAspect="1"/>
+          </p:cNvPicPr>
+          <p:nvPr/>
+        </p:nvPicPr>
+        <p:blipFill>
+          <a:blip r:embed="rId1"/>
+          <a:stretch>
+            <a:fillRect/>
+          </a:stretch>
+        </p:blipFill>
+        <p:spPr>
+          <a:xfrm>
+            <a:off x="1186180" y="1677035"/>
+            <a:ext cx="4140835" cy="4140835"/>
+          </a:xfrm>
+          <a:prstGeom prst="rect">
+            <a:avLst/>
+          </a:prstGeom>
+        </p:spPr>
+      </p:pic>
+    </p:spTree>
+  </p:cSld>
+  <p:clrMapOvr>
+    <a:masterClrMapping/>
+  </p:clrMapOvr>
+</p:sld>
+</file>
+
+<file path=ppt/slides/slide11.xml><?xml version="1.0" encoding="utf-8"?>
+<p:sld xmlns:a="http://schemas.openxmlformats.org/drawingml/2006/main" xmlns:r="http://schemas.openxmlformats.org/officeDocument/2006/relationships" xmlns:p="http://schemas.openxmlformats.org/presentationml/2006/main">
+  <p:cSld>
+    <p:spTree>
+      <p:nvGrpSpPr>
+        <p:cNvPr id="1" name=""/>
+        <p:cNvGrpSpPr/>
+        <p:nvPr/>
+      </p:nvGrpSpPr>
+      <p:grpSpPr/>
+      <p:pic>
+        <p:nvPicPr>
+          <p:cNvPr id="3" name="Picture 2" descr="IC-24_MLFlow_Folie2-1024x576"/>
+          <p:cNvPicPr>
+            <a:picLocks noChangeAspect="1"/>
+          </p:cNvPicPr>
+          <p:nvPr/>
+        </p:nvPicPr>
+        <p:blipFill>
+          <a:blip r:embed="rId1"/>
+          <a:stretch>
+            <a:fillRect/>
+          </a:stretch>
+        </p:blipFill>
+        <p:spPr>
+          <a:xfrm>
+            <a:off x="1566545" y="1376045"/>
+            <a:ext cx="9058275" cy="4105275"/>
+          </a:xfrm>
+          <a:prstGeom prst="rect">
+            <a:avLst/>
+          </a:prstGeom>
+        </p:spPr>
+      </p:pic>
+      <p:sp>
+        <p:nvSpPr>
+          <p:cNvPr id="9" name="文本框 8"/>
+          <p:cNvSpPr txBox="1"/>
+          <p:nvPr/>
+        </p:nvSpPr>
+        <p:spPr>
+          <a:xfrm>
+            <a:off x="3662680" y="970280"/>
+            <a:ext cx="4625975" cy="706755"/>
+          </a:xfrm>
+          <a:prstGeom prst="rect">
+            <a:avLst/>
+          </a:prstGeom>
+          <a:noFill/>
+        </p:spPr>
+        <p:txBody>
+          <a:bodyPr wrap="square" rtlCol="0">
+            <a:spAutoFit/>
+          </a:bodyPr>
+          <a:p>
+            <a:pPr algn="ctr"/>
+            <a:r>
+              <a:rPr lang="en-US" altLang="en-US" sz="4000" b="1" dirty="0">
+                <a:solidFill>
+                  <a:schemeClr val="accent1">
+                    <a:lumMod val="75000"/>
+                  </a:schemeClr>
+                </a:solidFill>
+                <a:latin typeface="微软雅黑" panose="020B0503020204020204" pitchFamily="34" charset="-122"/>
+                <a:ea typeface="微软雅黑" panose="020B0503020204020204" pitchFamily="34" charset="-122"/>
+              </a:rPr>
+              <a:t>Model Diagram</a:t>
+            </a:r>
+            <a:endParaRPr lang="en-US" altLang="en-US" sz="4000" b="1" dirty="0">
+              <a:solidFill>
+                <a:schemeClr val="accent1">
+                  <a:lumMod val="75000"/>
+                </a:schemeClr>
+              </a:solidFill>
+              <a:latin typeface="微软雅黑" panose="020B0503020204020204" pitchFamily="34" charset="-122"/>
+              <a:ea typeface="微软雅黑" panose="020B0503020204020204" pitchFamily="34" charset="-122"/>
+            </a:endParaRPr>
+          </a:p>
+        </p:txBody>
+      </p:sp>
+      <p:sp>
+        <p:nvSpPr>
+          <p:cNvPr id="4" name="文本框 2"/>
+          <p:cNvSpPr txBox="1"/>
+          <p:nvPr/>
+        </p:nvSpPr>
+        <p:spPr>
+          <a:xfrm>
+            <a:off x="746088" y="475991"/>
+            <a:ext cx="1071245" cy="398780"/>
+          </a:xfrm>
+          <a:prstGeom prst="rect">
+            <a:avLst/>
+          </a:prstGeom>
+          <a:noFill/>
+        </p:spPr>
+        <p:txBody>
+          <a:bodyPr wrap="none" rtlCol="0">
+            <a:spAutoFit/>
+          </a:bodyPr>
+          <a:p>
+            <a:r>
+              <a:rPr lang="en-US" altLang="en-US" sz="2000" dirty="0">
+                <a:latin typeface="微软雅黑 Light" panose="020B0502040204020203" pitchFamily="34" charset="-122"/>
+                <a:ea typeface="微软雅黑 Light" panose="020B0502040204020203" pitchFamily="34" charset="-122"/>
+              </a:rPr>
+              <a:t>MLFlow</a:t>
+            </a:r>
+            <a:endParaRPr lang="en-US" altLang="zh-CN" sz="2000" dirty="0">
+              <a:latin typeface="微软雅黑 Light" panose="020B0502040204020203" pitchFamily="34" charset="-122"/>
+              <a:ea typeface="微软雅黑 Light" panose="020B0502040204020203" pitchFamily="34" charset="-122"/>
+            </a:endParaRPr>
+          </a:p>
+        </p:txBody>
+      </p:sp>
+      <p:sp>
+        <p:nvSpPr>
+          <p:cNvPr id="5" name="矩形 3"/>
+          <p:cNvSpPr/>
+          <p:nvPr/>
+        </p:nvSpPr>
+        <p:spPr>
+          <a:xfrm>
+            <a:off x="289435" y="545974"/>
+            <a:ext cx="340519" cy="260145"/>
+          </a:xfrm>
+          <a:prstGeom prst="rect">
+            <a:avLst/>
+          </a:prstGeom>
+          <a:solidFill>
+            <a:schemeClr val="accent1">
+              <a:lumMod val="75000"/>
+            </a:schemeClr>
+          </a:solidFill>
+          <a:ln w="28575">
+            <a:solidFill>
+              <a:schemeClr val="tx1">
+                <a:lumMod val="85000"/>
+                <a:lumOff val="15000"/>
+              </a:schemeClr>
+            </a:solidFill>
+          </a:ln>
+        </p:spPr>
+        <p:style>
+          <a:lnRef idx="2">
+            <a:schemeClr val="accent1">
+              <a:shade val="50000"/>
+            </a:schemeClr>
+          </a:lnRef>
+          <a:fillRef idx="1">
+            <a:schemeClr val="accent1"/>
+          </a:fillRef>
+          <a:effectRef idx="0">
+            <a:schemeClr val="accent1"/>
+          </a:effectRef>
+          <a:fontRef idx="minor">
+            <a:schemeClr val="lt1"/>
+          </a:fontRef>
+        </p:style>
+        <p:txBody>
+          <a:bodyPr rot="0" spcFirstLastPara="0" vertOverflow="overflow" horzOverflow="overflow" vert="horz" wrap="square" lIns="91440" tIns="45720" rIns="91440" bIns="45720" numCol="1" spcCol="0" rtlCol="0" fromWordArt="0" anchor="ctr" anchorCtr="0" forceAA="0" compatLnSpc="1">
+            <a:noAutofit/>
+          </a:bodyPr>
+          <a:p>
+            <a:pPr algn="ctr"/>
+            <a:endParaRPr lang="zh-CN" altLang="en-US"/>
+          </a:p>
+        </p:txBody>
+      </p:sp>
+    </p:spTree>
+  </p:cSld>
+  <p:clrMapOvr>
+    <a:masterClrMapping/>
+  </p:clrMapOvr>
+</p:sld>
+</file>
+
+<file path=ppt/slides/slide12.xml><?xml version="1.0" encoding="utf-8"?>
+<p:sld xmlns:a="http://schemas.openxmlformats.org/drawingml/2006/main" xmlns:r="http://schemas.openxmlformats.org/officeDocument/2006/relationships" xmlns:p="http://schemas.openxmlformats.org/presentationml/2006/main">
+  <p:cSld>
+    <p:spTree>
+      <p:nvGrpSpPr>
+        <p:cNvPr id="1" name=""/>
+        <p:cNvGrpSpPr/>
+        <p:nvPr/>
+      </p:nvGrpSpPr>
+      <p:grpSpPr/>
+      <p:sp>
+        <p:nvSpPr>
+          <p:cNvPr id="9" name="文本框 8"/>
+          <p:cNvSpPr txBox="1"/>
+          <p:nvPr/>
+        </p:nvSpPr>
+        <p:spPr>
+          <a:xfrm>
+            <a:off x="3662680" y="970280"/>
+            <a:ext cx="4625975" cy="1322070"/>
+          </a:xfrm>
+          <a:prstGeom prst="rect">
+            <a:avLst/>
+          </a:prstGeom>
+          <a:noFill/>
+        </p:spPr>
+        <p:txBody>
+          <a:bodyPr wrap="square" rtlCol="0">
+            <a:spAutoFit/>
+          </a:bodyPr>
+          <a:p>
+            <a:pPr algn="ctr"/>
+            <a:r>
+              <a:rPr lang="en-US" altLang="en-US" sz="4000" b="1" dirty="0">
+                <a:solidFill>
+                  <a:schemeClr val="accent1">
+                    <a:lumMod val="75000"/>
+                  </a:schemeClr>
+                </a:solidFill>
+                <a:latin typeface="微软雅黑" panose="020B0503020204020204" pitchFamily="34" charset="-122"/>
+                <a:ea typeface="微软雅黑" panose="020B0503020204020204" pitchFamily="34" charset="-122"/>
+              </a:rPr>
+              <a:t>MLFlow server locally </a:t>
+            </a:r>
+            <a:endParaRPr lang="en-US" altLang="en-US" sz="4000" b="1" dirty="0">
+              <a:solidFill>
+                <a:schemeClr val="accent1">
+                  <a:lumMod val="75000"/>
+                </a:schemeClr>
+              </a:solidFill>
+              <a:latin typeface="微软雅黑" panose="020B0503020204020204" pitchFamily="34" charset="-122"/>
+              <a:ea typeface="微软雅黑" panose="020B0503020204020204" pitchFamily="34" charset="-122"/>
+            </a:endParaRPr>
+          </a:p>
+        </p:txBody>
+      </p:sp>
+      <p:sp>
+        <p:nvSpPr>
+          <p:cNvPr id="3" name="文本框 2"/>
+          <p:cNvSpPr txBox="1"/>
+          <p:nvPr/>
+        </p:nvSpPr>
+        <p:spPr>
+          <a:xfrm>
+            <a:off x="746088" y="475991"/>
+            <a:ext cx="1071245" cy="398780"/>
+          </a:xfrm>
+          <a:prstGeom prst="rect">
+            <a:avLst/>
+          </a:prstGeom>
+          <a:noFill/>
+        </p:spPr>
+        <p:txBody>
+          <a:bodyPr wrap="none" rtlCol="0">
+            <a:spAutoFit/>
+          </a:bodyPr>
+          <a:p>
+            <a:r>
+              <a:rPr lang="en-US" altLang="en-US" sz="2000" dirty="0">
+                <a:latin typeface="微软雅黑 Light" panose="020B0502040204020203" pitchFamily="34" charset="-122"/>
+                <a:ea typeface="微软雅黑 Light" panose="020B0502040204020203" pitchFamily="34" charset="-122"/>
+              </a:rPr>
+              <a:t>MLFlow</a:t>
+            </a:r>
+            <a:endParaRPr lang="en-US" altLang="zh-CN" sz="2000" dirty="0">
+              <a:latin typeface="微软雅黑 Light" panose="020B0502040204020203" pitchFamily="34" charset="-122"/>
+              <a:ea typeface="微软雅黑 Light" panose="020B0502040204020203" pitchFamily="34" charset="-122"/>
+            </a:endParaRPr>
+          </a:p>
+        </p:txBody>
+      </p:sp>
+      <p:sp>
+        <p:nvSpPr>
+          <p:cNvPr id="4" name="矩形 3"/>
+          <p:cNvSpPr/>
+          <p:nvPr/>
+        </p:nvSpPr>
+        <p:spPr>
+          <a:xfrm>
+            <a:off x="289435" y="545974"/>
+            <a:ext cx="340519" cy="260145"/>
+          </a:xfrm>
+          <a:prstGeom prst="rect">
+            <a:avLst/>
+          </a:prstGeom>
+          <a:solidFill>
+            <a:schemeClr val="accent1">
+              <a:lumMod val="75000"/>
+            </a:schemeClr>
+          </a:solidFill>
+          <a:ln w="28575">
+            <a:solidFill>
+              <a:schemeClr val="tx1">
+                <a:lumMod val="85000"/>
+                <a:lumOff val="15000"/>
+              </a:schemeClr>
+            </a:solidFill>
+          </a:ln>
+        </p:spPr>
+        <p:style>
+          <a:lnRef idx="2">
+            <a:schemeClr val="accent1">
+              <a:shade val="50000"/>
+            </a:schemeClr>
+          </a:lnRef>
+          <a:fillRef idx="1">
+            <a:schemeClr val="accent1"/>
+          </a:fillRef>
+          <a:effectRef idx="0">
+            <a:schemeClr val="accent1"/>
+          </a:effectRef>
+          <a:fontRef idx="minor">
+            <a:schemeClr val="lt1"/>
+          </a:fontRef>
+        </p:style>
+        <p:txBody>
+          <a:bodyPr rot="0" spcFirstLastPara="0" vertOverflow="overflow" horzOverflow="overflow" vert="horz" wrap="square" lIns="91440" tIns="45720" rIns="91440" bIns="45720" numCol="1" spcCol="0" rtlCol="0" fromWordArt="0" anchor="ctr" anchorCtr="0" forceAA="0" compatLnSpc="1">
+            <a:noAutofit/>
+          </a:bodyPr>
+          <a:p>
+            <a:pPr algn="ctr"/>
+            <a:endParaRPr lang="zh-CN" altLang="en-US"/>
+          </a:p>
+        </p:txBody>
+      </p:sp>
+      <p:sp>
+        <p:nvSpPr>
+          <p:cNvPr id="2" name="Text Box 1"/>
+          <p:cNvSpPr txBox="1"/>
+          <p:nvPr/>
+        </p:nvSpPr>
+        <p:spPr>
+          <a:xfrm>
+            <a:off x="2231390" y="3194685"/>
+            <a:ext cx="7454265" cy="1476375"/>
+          </a:xfrm>
+          <a:prstGeom prst="rect">
+            <a:avLst/>
+          </a:prstGeom>
+          <a:noFill/>
+        </p:spPr>
+        <p:txBody>
+          <a:bodyPr wrap="square" rtlCol="0" anchor="t">
+            <a:spAutoFit/>
+          </a:bodyPr>
+          <a:p>
+            <a:r>
+              <a:rPr lang="en-US"/>
+              <a:t>Before we race off to build the greatest classifier ever seen, we need to start the MLFlow server on our local system. </a:t>
+            </a:r>
+            <a:endParaRPr lang="en-US"/>
+          </a:p>
+          <a:p>
+            <a:r>
+              <a:rPr lang="en-US"/>
+              <a:t>Download the mlflow library using python</a:t>
+            </a:r>
+            <a:endParaRPr lang="en-US"/>
+          </a:p>
+          <a:p>
+            <a:endParaRPr lang="en-US"/>
+          </a:p>
+          <a:p>
+            <a:r>
+              <a:rPr lang="en-US"/>
+              <a:t>$ </a:t>
+            </a:r>
+            <a:r>
+              <a:rPr lang="en-US" b="1"/>
+              <a:t>pip3 install mlflow</a:t>
+            </a:r>
+            <a:endParaRPr lang="en-US" b="1"/>
+          </a:p>
+        </p:txBody>
+      </p:sp>
+    </p:spTree>
+  </p:cSld>
+  <p:clrMapOvr>
+    <a:masterClrMapping/>
+  </p:clrMapOvr>
+</p:sld>
+</file>
+
+<file path=ppt/slides/slide13.xml><?xml version="1.0" encoding="utf-8"?>
+<p:sld xmlns:a="http://schemas.openxmlformats.org/drawingml/2006/main" xmlns:r="http://schemas.openxmlformats.org/officeDocument/2006/relationships" xmlns:p="http://schemas.openxmlformats.org/presentationml/2006/main">
+  <p:cSld>
+    <p:spTree>
+      <p:nvGrpSpPr>
+        <p:cNvPr id="1" name=""/>
+        <p:cNvGrpSpPr/>
+        <p:nvPr/>
+      </p:nvGrpSpPr>
+      <p:grpSpPr/>
+      <p:sp>
+        <p:nvSpPr>
+          <p:cNvPr id="2" name="Text Box 1"/>
+          <p:cNvSpPr txBox="1"/>
+          <p:nvPr/>
+        </p:nvSpPr>
+        <p:spPr>
+          <a:xfrm>
+            <a:off x="430530" y="2084070"/>
+            <a:ext cx="5887085" cy="2861310"/>
+          </a:xfrm>
+          <a:prstGeom prst="rect">
+            <a:avLst/>
+          </a:prstGeom>
+          <a:noFill/>
+        </p:spPr>
+        <p:txBody>
+          <a:bodyPr wrap="square" rtlCol="0" anchor="t">
+            <a:spAutoFit/>
+          </a:bodyPr>
+          <a:p>
+            <a:r>
+              <a:rPr lang="en-US" altLang="en-US" b="1"/>
+              <a:t>import mlflow</a:t>
+            </a:r>
+            <a:endParaRPr lang="en-US" altLang="en-US" b="1"/>
+          </a:p>
+          <a:p>
+            <a:endParaRPr lang="en-US" altLang="en-US" b="1"/>
+          </a:p>
+          <a:p>
+            <a:r>
+              <a:rPr lang="en-US" b="1"/>
+              <a:t>with mlflow.start_run():</a:t>
+            </a:r>
+            <a:endParaRPr lang="en-US" altLang="en-US" b="1"/>
+          </a:p>
+          <a:p>
+            <a:r>
+              <a:rPr lang="en-US" altLang="en-US" b="1"/>
+              <a:t>#  Adding your model</a:t>
+            </a:r>
+            <a:endParaRPr lang="en-US" altLang="en-US" b="1"/>
+          </a:p>
+          <a:p>
+            <a:endParaRPr lang="en-US" altLang="en-US" b="1"/>
+          </a:p>
+          <a:p>
+            <a:r>
+              <a:rPr lang="en-US" altLang="en-US" b="1"/>
+              <a:t># Paramters to add and store log</a:t>
+            </a:r>
+            <a:endParaRPr lang="en-US" altLang="en-US" b="1"/>
+          </a:p>
+          <a:p>
+            <a:r>
+              <a:rPr lang="en-US" b="1"/>
+              <a:t>mlflow.log_param("max_depth",max_depth)  </a:t>
+            </a:r>
+            <a:endParaRPr lang="en-US" b="1"/>
+          </a:p>
+          <a:p>
+            <a:r>
+              <a:rPr lang="en-US" b="1"/>
+              <a:t>mlflow.log_metric("acc",acc)</a:t>
+            </a:r>
+            <a:endParaRPr lang="en-US" b="1"/>
+          </a:p>
+          <a:p>
+            <a:endParaRPr lang="en-US"/>
+          </a:p>
+          <a:p>
+            <a:endParaRPr lang="en-US"/>
+          </a:p>
+        </p:txBody>
+      </p:sp>
+      <p:sp>
+        <p:nvSpPr>
+          <p:cNvPr id="3" name="Text Box 2"/>
+          <p:cNvSpPr txBox="1"/>
+          <p:nvPr/>
+        </p:nvSpPr>
+        <p:spPr>
+          <a:xfrm>
+            <a:off x="5577840" y="2285365"/>
+            <a:ext cx="5051425" cy="1476375"/>
+          </a:xfrm>
+          <a:prstGeom prst="rect">
+            <a:avLst/>
+          </a:prstGeom>
+          <a:noFill/>
+        </p:spPr>
+        <p:txBody>
+          <a:bodyPr wrap="square" rtlCol="0" anchor="t">
+            <a:spAutoFit/>
+          </a:bodyPr>
+          <a:p>
+            <a:pPr algn="just"/>
+            <a:r>
+              <a:rPr lang="en-US">
+                <a:sym typeface="+mn-ea"/>
+              </a:rPr>
+              <a:t>Creates a local mlruns folder to store all models and their associated data</a:t>
+            </a:r>
+            <a:r>
+              <a:rPr lang="en-US" altLang="en-US">
+                <a:sym typeface="+mn-ea"/>
+              </a:rPr>
+              <a:t>.</a:t>
+            </a:r>
+            <a:endParaRPr lang="en-US" altLang="en-US">
+              <a:sym typeface="+mn-ea"/>
+            </a:endParaRPr>
+          </a:p>
+          <a:p>
+            <a:pPr algn="just"/>
+            <a:endParaRPr lang="en-US"/>
+          </a:p>
+          <a:p>
+            <a:pPr algn="just"/>
+            <a:r>
+              <a:rPr lang="en-US">
+                <a:sym typeface="+mn-ea"/>
+              </a:rPr>
+              <a:t>Starts the MLFlow server on http://127.0.0.1:5000/ on your system</a:t>
+            </a:r>
+            <a:endParaRPr lang="en-US"/>
+          </a:p>
+        </p:txBody>
+      </p:sp>
+      <p:sp>
+        <p:nvSpPr>
+          <p:cNvPr id="4" name="文本框 2"/>
+          <p:cNvSpPr txBox="1"/>
+          <p:nvPr/>
+        </p:nvSpPr>
+        <p:spPr>
+          <a:xfrm>
+            <a:off x="746088" y="475991"/>
+            <a:ext cx="1071245" cy="398780"/>
+          </a:xfrm>
+          <a:prstGeom prst="rect">
+            <a:avLst/>
+          </a:prstGeom>
+          <a:noFill/>
+        </p:spPr>
+        <p:txBody>
+          <a:bodyPr wrap="none" rtlCol="0">
+            <a:spAutoFit/>
+          </a:bodyPr>
+          <a:p>
+            <a:r>
+              <a:rPr lang="en-US" altLang="en-US" sz="2000" dirty="0">
+                <a:latin typeface="微软雅黑 Light" panose="020B0502040204020203" pitchFamily="34" charset="-122"/>
+                <a:ea typeface="微软雅黑 Light" panose="020B0502040204020203" pitchFamily="34" charset="-122"/>
+              </a:rPr>
+              <a:t>MLFlow</a:t>
+            </a:r>
+            <a:endParaRPr lang="en-US" altLang="zh-CN" sz="2000" dirty="0">
+              <a:latin typeface="微软雅黑 Light" panose="020B0502040204020203" pitchFamily="34" charset="-122"/>
+              <a:ea typeface="微软雅黑 Light" panose="020B0502040204020203" pitchFamily="34" charset="-122"/>
+            </a:endParaRPr>
+          </a:p>
+        </p:txBody>
+      </p:sp>
+      <p:sp>
+        <p:nvSpPr>
+          <p:cNvPr id="5" name="矩形 3"/>
+          <p:cNvSpPr/>
+          <p:nvPr/>
+        </p:nvSpPr>
+        <p:spPr>
+          <a:xfrm>
+            <a:off x="289435" y="545974"/>
+            <a:ext cx="340519" cy="260145"/>
+          </a:xfrm>
+          <a:prstGeom prst="rect">
+            <a:avLst/>
+          </a:prstGeom>
+          <a:solidFill>
+            <a:schemeClr val="accent1">
+              <a:lumMod val="75000"/>
+            </a:schemeClr>
+          </a:solidFill>
+          <a:ln w="28575">
+            <a:solidFill>
+              <a:schemeClr val="tx1">
+                <a:lumMod val="85000"/>
+                <a:lumOff val="15000"/>
+              </a:schemeClr>
+            </a:solidFill>
+          </a:ln>
+        </p:spPr>
+        <p:style>
+          <a:lnRef idx="2">
+            <a:schemeClr val="accent1">
+              <a:shade val="50000"/>
+            </a:schemeClr>
+          </a:lnRef>
+          <a:fillRef idx="1">
+            <a:schemeClr val="accent1"/>
+          </a:fillRef>
+          <a:effectRef idx="0">
+            <a:schemeClr val="accent1"/>
+          </a:effectRef>
+          <a:fontRef idx="minor">
+            <a:schemeClr val="lt1"/>
+          </a:fontRef>
+        </p:style>
+        <p:txBody>
+          <a:bodyPr rot="0" spcFirstLastPara="0" vertOverflow="overflow" horzOverflow="overflow" vert="horz" wrap="square" lIns="91440" tIns="45720" rIns="91440" bIns="45720" numCol="1" spcCol="0" rtlCol="0" fromWordArt="0" anchor="ctr" anchorCtr="0" forceAA="0" compatLnSpc="1">
+            <a:noAutofit/>
+          </a:bodyPr>
+          <a:p>
+            <a:pPr algn="ctr"/>
+            <a:endParaRPr lang="zh-CN" altLang="en-US"/>
+          </a:p>
+        </p:txBody>
+      </p:sp>
+      <p:sp>
+        <p:nvSpPr>
+          <p:cNvPr id="9" name="文本框 8"/>
+          <p:cNvSpPr txBox="1"/>
+          <p:nvPr/>
+        </p:nvSpPr>
+        <p:spPr>
+          <a:xfrm>
+            <a:off x="2596515" y="981075"/>
+            <a:ext cx="6998335" cy="706755"/>
+          </a:xfrm>
+          <a:prstGeom prst="rect">
+            <a:avLst/>
+          </a:prstGeom>
+          <a:noFill/>
+        </p:spPr>
+        <p:txBody>
+          <a:bodyPr wrap="square" rtlCol="0">
+            <a:spAutoFit/>
+          </a:bodyPr>
+          <a:p>
+            <a:pPr algn="ctr"/>
+            <a:r>
+              <a:rPr lang="en-US" altLang="en-US" sz="4000" b="1" dirty="0">
+                <a:solidFill>
+                  <a:schemeClr val="accent1">
+                    <a:lumMod val="75000"/>
+                  </a:schemeClr>
+                </a:solidFill>
+                <a:latin typeface="微软雅黑" panose="020B0503020204020204" pitchFamily="34" charset="-122"/>
+                <a:ea typeface="微软雅黑" panose="020B0503020204020204" pitchFamily="34" charset="-122"/>
+              </a:rPr>
+              <a:t>Training and Tracking </a:t>
+            </a:r>
+            <a:endParaRPr lang="en-US" altLang="en-US" sz="4000" b="1" dirty="0">
+              <a:solidFill>
+                <a:schemeClr val="accent1">
+                  <a:lumMod val="75000"/>
+                </a:schemeClr>
+              </a:solidFill>
+              <a:latin typeface="微软雅黑" panose="020B0503020204020204" pitchFamily="34" charset="-122"/>
+              <a:ea typeface="微软雅黑" panose="020B0503020204020204" pitchFamily="34" charset="-122"/>
+            </a:endParaRPr>
+          </a:p>
+        </p:txBody>
+      </p:sp>
+    </p:spTree>
+  </p:cSld>
+  <p:clrMapOvr>
+    <a:masterClrMapping/>
+  </p:clrMapOvr>
+</p:sld>
+</file>
+
+<file path=ppt/slides/slide14.xml><?xml version="1.0" encoding="utf-8"?>
+<p:sld xmlns:a="http://schemas.openxmlformats.org/drawingml/2006/main" xmlns:r="http://schemas.openxmlformats.org/officeDocument/2006/relationships" xmlns:p="http://schemas.openxmlformats.org/presentationml/2006/main">
+  <p:cSld>
+    <p:spTree>
+      <p:nvGrpSpPr>
+        <p:cNvPr id="1" name=""/>
+        <p:cNvGrpSpPr/>
+        <p:nvPr/>
+      </p:nvGrpSpPr>
+      <p:grpSpPr/>
+      <p:sp>
+        <p:nvSpPr>
+          <p:cNvPr id="4" name="文本框 2"/>
+          <p:cNvSpPr txBox="1"/>
+          <p:nvPr/>
+        </p:nvSpPr>
+        <p:spPr>
+          <a:xfrm>
+            <a:off x="746088" y="475991"/>
+            <a:ext cx="1071245" cy="398780"/>
+          </a:xfrm>
+          <a:prstGeom prst="rect">
+            <a:avLst/>
+          </a:prstGeom>
+          <a:noFill/>
+        </p:spPr>
+        <p:txBody>
+          <a:bodyPr wrap="none" rtlCol="0">
+            <a:spAutoFit/>
+          </a:bodyPr>
+          <a:p>
+            <a:r>
+              <a:rPr lang="en-US" altLang="en-US" sz="2000" dirty="0">
+                <a:latin typeface="微软雅黑 Light" panose="020B0502040204020203" pitchFamily="34" charset="-122"/>
+                <a:ea typeface="微软雅黑 Light" panose="020B0502040204020203" pitchFamily="34" charset="-122"/>
+              </a:rPr>
+              <a:t>MLFlow</a:t>
+            </a:r>
+            <a:endParaRPr lang="en-US" altLang="zh-CN" sz="2000" dirty="0">
+              <a:latin typeface="微软雅黑 Light" panose="020B0502040204020203" pitchFamily="34" charset="-122"/>
+              <a:ea typeface="微软雅黑 Light" panose="020B0502040204020203" pitchFamily="34" charset="-122"/>
+            </a:endParaRPr>
+          </a:p>
+        </p:txBody>
+      </p:sp>
+      <p:sp>
+        <p:nvSpPr>
+          <p:cNvPr id="5" name="矩形 3"/>
+          <p:cNvSpPr/>
+          <p:nvPr/>
+        </p:nvSpPr>
+        <p:spPr>
+          <a:xfrm>
+            <a:off x="289435" y="545974"/>
+            <a:ext cx="340519" cy="260145"/>
+          </a:xfrm>
+          <a:prstGeom prst="rect">
+            <a:avLst/>
+          </a:prstGeom>
+          <a:solidFill>
+            <a:schemeClr val="accent1">
+              <a:lumMod val="75000"/>
+            </a:schemeClr>
+          </a:solidFill>
+          <a:ln w="28575">
+            <a:solidFill>
+              <a:schemeClr val="tx1">
+                <a:lumMod val="85000"/>
+                <a:lumOff val="15000"/>
+              </a:schemeClr>
+            </a:solidFill>
+          </a:ln>
+        </p:spPr>
+        <p:style>
+          <a:lnRef idx="2">
+            <a:schemeClr val="accent1">
+              <a:shade val="50000"/>
+            </a:schemeClr>
+          </a:lnRef>
+          <a:fillRef idx="1">
+            <a:schemeClr val="accent1"/>
+          </a:fillRef>
+          <a:effectRef idx="0">
+            <a:schemeClr val="accent1"/>
+          </a:effectRef>
+          <a:fontRef idx="minor">
+            <a:schemeClr val="lt1"/>
+          </a:fontRef>
+        </p:style>
+        <p:txBody>
+          <a:bodyPr rot="0" spcFirstLastPara="0" vertOverflow="overflow" horzOverflow="overflow" vert="horz" wrap="square" lIns="91440" tIns="45720" rIns="91440" bIns="45720" numCol="1" spcCol="0" rtlCol="0" fromWordArt="0" anchor="ctr" anchorCtr="0" forceAA="0" compatLnSpc="1">
+            <a:noAutofit/>
+          </a:bodyPr>
+          <a:p>
+            <a:pPr algn="ctr"/>
+            <a:endParaRPr lang="zh-CN" altLang="en-US"/>
+          </a:p>
+        </p:txBody>
+      </p:sp>
+      <p:sp>
+        <p:nvSpPr>
+          <p:cNvPr id="9" name="文本框 8"/>
+          <p:cNvSpPr txBox="1"/>
+          <p:nvPr/>
+        </p:nvSpPr>
+        <p:spPr>
+          <a:xfrm>
+            <a:off x="3662680" y="970280"/>
+            <a:ext cx="4625975" cy="706755"/>
+          </a:xfrm>
+          <a:prstGeom prst="rect">
+            <a:avLst/>
+          </a:prstGeom>
+          <a:noFill/>
+        </p:spPr>
+        <p:txBody>
+          <a:bodyPr wrap="square" rtlCol="0">
+            <a:spAutoFit/>
+          </a:bodyPr>
+          <a:p>
+            <a:pPr algn="ctr"/>
+            <a:r>
+              <a:rPr lang="en-US" altLang="en-US" sz="4000" b="1" dirty="0">
+                <a:solidFill>
+                  <a:schemeClr val="accent1">
+                    <a:lumMod val="75000"/>
+                  </a:schemeClr>
+                </a:solidFill>
+                <a:latin typeface="微软雅黑" panose="020B0503020204020204" pitchFamily="34" charset="-122"/>
+                <a:ea typeface="微软雅黑" panose="020B0503020204020204" pitchFamily="34" charset="-122"/>
+              </a:rPr>
+              <a:t>MLFlow UI</a:t>
+            </a:r>
+            <a:endParaRPr lang="en-US" altLang="en-US" sz="4000" b="1" dirty="0">
+              <a:solidFill>
+                <a:schemeClr val="accent1">
+                  <a:lumMod val="75000"/>
+                </a:schemeClr>
+              </a:solidFill>
+              <a:latin typeface="微软雅黑" panose="020B0503020204020204" pitchFamily="34" charset="-122"/>
+              <a:ea typeface="微软雅黑" panose="020B0503020204020204" pitchFamily="34" charset="-122"/>
+            </a:endParaRPr>
+          </a:p>
+        </p:txBody>
+      </p:sp>
+      <p:pic>
+        <p:nvPicPr>
+          <p:cNvPr id="2" name="Picture 1" descr="Screenshot from 2022-02-06 17-02-44"/>
+          <p:cNvPicPr>
+            <a:picLocks noChangeAspect="1"/>
+          </p:cNvPicPr>
+          <p:nvPr/>
+        </p:nvPicPr>
+        <p:blipFill>
+          <a:blip r:embed="rId1"/>
+          <a:stretch>
+            <a:fillRect/>
+          </a:stretch>
+        </p:blipFill>
+        <p:spPr>
+          <a:xfrm>
+            <a:off x="577215" y="1830705"/>
+            <a:ext cx="4832985" cy="2897505"/>
+          </a:xfrm>
+          <a:prstGeom prst="rect">
+            <a:avLst/>
+          </a:prstGeom>
+        </p:spPr>
+      </p:pic>
+      <p:pic>
+        <p:nvPicPr>
+          <p:cNvPr id="3" name="Picture 2" descr="Screenshot from 2022-02-06 17-03-01"/>
+          <p:cNvPicPr>
+            <a:picLocks noChangeAspect="1"/>
+          </p:cNvPicPr>
+          <p:nvPr/>
+        </p:nvPicPr>
+        <p:blipFill>
+          <a:blip r:embed="rId2"/>
+          <a:stretch>
+            <a:fillRect/>
+          </a:stretch>
+        </p:blipFill>
+        <p:spPr>
+          <a:xfrm>
+            <a:off x="6480175" y="1830705"/>
+            <a:ext cx="4805680" cy="2985135"/>
+          </a:xfrm>
+          <a:prstGeom prst="rect">
+            <a:avLst/>
+          </a:prstGeom>
+        </p:spPr>
+      </p:pic>
+    </p:spTree>
+  </p:cSld>
+  <p:clrMapOvr>
+    <a:masterClrMapping/>
+  </p:clrMapOvr>
+</p:sld>
+</file>
+
+<file path=ppt/slides/slide15.xml><?xml version="1.0" encoding="utf-8"?>
+<p:sld xmlns:a="http://schemas.openxmlformats.org/drawingml/2006/main" xmlns:r="http://schemas.openxmlformats.org/officeDocument/2006/relationships" xmlns:p="http://schemas.openxmlformats.org/presentationml/2006/main">
+  <p:cSld>
+    <p:spTree>
+      <p:nvGrpSpPr>
+        <p:cNvPr id="1" name=""/>
+        <p:cNvGrpSpPr/>
+        <p:nvPr/>
+      </p:nvGrpSpPr>
+      <p:grpSpPr/>
+      <p:sp>
+        <p:nvSpPr>
+          <p:cNvPr id="4" name="文本框 2"/>
+          <p:cNvSpPr txBox="1"/>
+          <p:nvPr/>
+        </p:nvSpPr>
+        <p:spPr>
+          <a:xfrm>
+            <a:off x="746088" y="475991"/>
+            <a:ext cx="1071245" cy="398780"/>
+          </a:xfrm>
+          <a:prstGeom prst="rect">
+            <a:avLst/>
+          </a:prstGeom>
+          <a:noFill/>
+        </p:spPr>
+        <p:txBody>
+          <a:bodyPr wrap="none" rtlCol="0">
+            <a:spAutoFit/>
+          </a:bodyPr>
+          <a:p>
+            <a:r>
+              <a:rPr lang="en-US" altLang="en-US" sz="2000" dirty="0">
+                <a:latin typeface="微软雅黑 Light" panose="020B0502040204020203" pitchFamily="34" charset="-122"/>
+                <a:ea typeface="微软雅黑 Light" panose="020B0502040204020203" pitchFamily="34" charset="-122"/>
+              </a:rPr>
+              <a:t>MLFlow</a:t>
+            </a:r>
+            <a:endParaRPr lang="en-US" altLang="zh-CN" sz="2000" dirty="0">
+              <a:latin typeface="微软雅黑 Light" panose="020B0502040204020203" pitchFamily="34" charset="-122"/>
+              <a:ea typeface="微软雅黑 Light" panose="020B0502040204020203" pitchFamily="34" charset="-122"/>
+            </a:endParaRPr>
+          </a:p>
+        </p:txBody>
+      </p:sp>
+      <p:sp>
+        <p:nvSpPr>
+          <p:cNvPr id="5" name="矩形 3"/>
+          <p:cNvSpPr/>
+          <p:nvPr/>
+        </p:nvSpPr>
+        <p:spPr>
+          <a:xfrm>
+            <a:off x="289435" y="545974"/>
+            <a:ext cx="340519" cy="260145"/>
+          </a:xfrm>
+          <a:prstGeom prst="rect">
+            <a:avLst/>
+          </a:prstGeom>
+          <a:solidFill>
+            <a:schemeClr val="accent1">
+              <a:lumMod val="75000"/>
+            </a:schemeClr>
+          </a:solidFill>
+          <a:ln w="28575">
+            <a:solidFill>
+              <a:schemeClr val="tx1">
+                <a:lumMod val="85000"/>
+                <a:lumOff val="15000"/>
+              </a:schemeClr>
+            </a:solidFill>
+          </a:ln>
+        </p:spPr>
+        <p:style>
+          <a:lnRef idx="2">
+            <a:schemeClr val="accent1">
+              <a:shade val="50000"/>
+            </a:schemeClr>
+          </a:lnRef>
+          <a:fillRef idx="1">
+            <a:schemeClr val="accent1"/>
+          </a:fillRef>
+          <a:effectRef idx="0">
+            <a:schemeClr val="accent1"/>
+          </a:effectRef>
+          <a:fontRef idx="minor">
+            <a:schemeClr val="lt1"/>
+          </a:fontRef>
+        </p:style>
+        <p:txBody>
+          <a:bodyPr rot="0" spcFirstLastPara="0" vertOverflow="overflow" horzOverflow="overflow" vert="horz" wrap="square" lIns="91440" tIns="45720" rIns="91440" bIns="45720" numCol="1" spcCol="0" rtlCol="0" fromWordArt="0" anchor="ctr" anchorCtr="0" forceAA="0" compatLnSpc="1">
+            <a:noAutofit/>
+          </a:bodyPr>
+          <a:p>
+            <a:pPr algn="ctr"/>
+            <a:endParaRPr lang="zh-CN" altLang="en-US"/>
+          </a:p>
+        </p:txBody>
+      </p:sp>
+      <p:sp>
+        <p:nvSpPr>
+          <p:cNvPr id="9" name="文本框 8"/>
+          <p:cNvSpPr txBox="1"/>
+          <p:nvPr/>
+        </p:nvSpPr>
+        <p:spPr>
+          <a:xfrm>
+            <a:off x="3662680" y="970280"/>
+            <a:ext cx="5454015" cy="706755"/>
+          </a:xfrm>
+          <a:prstGeom prst="rect">
+            <a:avLst/>
+          </a:prstGeom>
+          <a:noFill/>
+        </p:spPr>
+        <p:txBody>
+          <a:bodyPr wrap="square" rtlCol="0">
+            <a:spAutoFit/>
+          </a:bodyPr>
+          <a:p>
+            <a:pPr algn="ctr"/>
+            <a:r>
+              <a:rPr lang="en-US" altLang="en-US" sz="4000" b="1" dirty="0">
+                <a:solidFill>
+                  <a:schemeClr val="accent1">
+                    <a:lumMod val="75000"/>
+                  </a:schemeClr>
+                </a:solidFill>
+                <a:latin typeface="微软雅黑" panose="020B0503020204020204" pitchFamily="34" charset="-122"/>
+                <a:ea typeface="微软雅黑" panose="020B0503020204020204" pitchFamily="34" charset="-122"/>
+              </a:rPr>
+              <a:t>MLFlow AWS Cloud</a:t>
+            </a:r>
+            <a:endParaRPr lang="en-US" altLang="en-US" sz="4000" b="1" dirty="0">
+              <a:solidFill>
+                <a:schemeClr val="accent1">
+                  <a:lumMod val="75000"/>
+                </a:schemeClr>
+              </a:solidFill>
+              <a:latin typeface="微软雅黑" panose="020B0503020204020204" pitchFamily="34" charset="-122"/>
+              <a:ea typeface="微软雅黑" panose="020B0503020204020204" pitchFamily="34" charset="-122"/>
+            </a:endParaRPr>
+          </a:p>
+        </p:txBody>
+      </p:sp>
+      <p:sp>
+        <p:nvSpPr>
+          <p:cNvPr id="3" name="Text Box 2"/>
+          <p:cNvSpPr txBox="1"/>
+          <p:nvPr/>
+        </p:nvSpPr>
+        <p:spPr>
+          <a:xfrm>
+            <a:off x="1960245" y="1827530"/>
+            <a:ext cx="7893050" cy="4246245"/>
+          </a:xfrm>
+          <a:prstGeom prst="rect">
+            <a:avLst/>
+          </a:prstGeom>
+          <a:noFill/>
+        </p:spPr>
+        <p:txBody>
+          <a:bodyPr wrap="square" rtlCol="0" anchor="t">
+            <a:spAutoFit/>
+          </a:bodyPr>
+          <a:p>
+            <a:r>
+              <a:rPr lang="en-US" b="1"/>
+              <a:t>Launch a tracking server on AWS</a:t>
+            </a:r>
+            <a:endParaRPr lang="en-US"/>
+          </a:p>
+          <a:p>
+            <a:r>
+              <a:rPr lang="en-US"/>
+              <a:t>If you're a team of developers or data scientists, you can spin up a tracking server where everyone logs his/her runs</a:t>
+            </a:r>
+            <a:endParaRPr lang="en-US"/>
+          </a:p>
+          <a:p>
+            <a:endParaRPr lang="en-US"/>
+          </a:p>
+          <a:p>
+            <a:r>
+              <a:rPr lang="en-US"/>
+              <a:t>1. Prepare an EC2 machine and an S3 bucket</a:t>
+            </a:r>
+            <a:endParaRPr lang="en-US"/>
+          </a:p>
+          <a:p>
+            <a:r>
+              <a:rPr lang="en-US"/>
+              <a:t>create an IAM user on AWS. Get its credentials, namely Access key ID and Secret access key with this same user, create an s3 bucket to store future artifacts: give this bucket a name. Mine is mlflow-artifact-store-dem but you cannot pick it</a:t>
+            </a:r>
+            <a:endParaRPr lang="en-US"/>
+          </a:p>
+          <a:p>
+            <a:endParaRPr lang="en-US"/>
+          </a:p>
+          <a:p>
+            <a:r>
+              <a:rPr lang="en-US" b="1"/>
+              <a:t>Launch an EC2 instance</a:t>
+            </a:r>
+            <a:r>
+              <a:rPr lang="en-US"/>
+              <a:t>: it doesn't have to be big. a t2.micro eligible to free tier does perfectly the job</a:t>
+            </a:r>
+            <a:endParaRPr lang="en-US"/>
+          </a:p>
+          <a:p>
+            <a:endParaRPr lang="en-US"/>
+          </a:p>
+          <a:p>
+            <a:r>
+              <a:rPr lang="en-US"/>
+              <a:t>Configure the security group of this instance to accept inbound http traffic on port 5000   </a:t>
+            </a:r>
+            <a:endParaRPr lang="en-US"/>
+          </a:p>
+        </p:txBody>
+      </p:sp>
+    </p:spTree>
+  </p:cSld>
+  <p:clrMapOvr>
+    <a:masterClrMapping/>
+  </p:clrMapOvr>
+</p:sld>
+</file>
+
+<file path=ppt/slides/slide16.xml><?xml version="1.0" encoding="utf-8"?>
+<p:sld xmlns:a="http://schemas.openxmlformats.org/drawingml/2006/main" xmlns:r="http://schemas.openxmlformats.org/officeDocument/2006/relationships" xmlns:p="http://schemas.openxmlformats.org/presentationml/2006/main">
+  <p:cSld>
+    <p:spTree>
+      <p:nvGrpSpPr>
+        <p:cNvPr id="1" name=""/>
+        <p:cNvGrpSpPr/>
+        <p:nvPr/>
+      </p:nvGrpSpPr>
+      <p:grpSpPr/>
+      <p:sp>
+        <p:nvSpPr>
+          <p:cNvPr id="2" name="Text Box 1"/>
+          <p:cNvSpPr txBox="1"/>
+          <p:nvPr/>
+        </p:nvSpPr>
+        <p:spPr>
+          <a:xfrm>
+            <a:off x="1078230" y="5365115"/>
+            <a:ext cx="8021320" cy="922020"/>
+          </a:xfrm>
+          <a:prstGeom prst="rect">
+            <a:avLst/>
+          </a:prstGeom>
+          <a:noFill/>
+        </p:spPr>
+        <p:txBody>
+          <a:bodyPr wrap="square" rtlCol="0" anchor="t">
+            <a:spAutoFit/>
+          </a:bodyPr>
+          <a:p>
+            <a:r>
+              <a:rPr lang="en-US"/>
+              <a:t>https://github.com/Meghashyamt/MLFlow</a:t>
+            </a:r>
+            <a:endParaRPr lang="en-US"/>
+          </a:p>
+          <a:p>
+            <a:r>
+              <a:rPr lang="en-US" altLang="en-US" b="1"/>
+              <a:t>AWS Cloud</a:t>
+            </a:r>
+            <a:r>
+              <a:rPr lang="en-US" altLang="en-US"/>
+              <a:t>  http://35.172.226.26:5000    </a:t>
+            </a:r>
+            <a:endParaRPr lang="en-US" altLang="en-US"/>
+          </a:p>
+          <a:p>
+            <a:r>
+              <a:rPr lang="en-US" altLang="en-US" b="1"/>
+              <a:t>Azure     </a:t>
+            </a:r>
+            <a:r>
+              <a:rPr lang="en-US" altLang="en-US"/>
+              <a:t>http://52.186.80.208:5000/   </a:t>
+            </a:r>
+            <a:endParaRPr lang="en-US" altLang="en-US"/>
+          </a:p>
+        </p:txBody>
+      </p:sp>
+      <p:pic>
+        <p:nvPicPr>
+          <p:cNvPr id="3" name="Picture 2" descr="Screenshot from 2022-02-08 06-44-11"/>
+          <p:cNvPicPr>
+            <a:picLocks noChangeAspect="1"/>
+          </p:cNvPicPr>
+          <p:nvPr/>
+        </p:nvPicPr>
+        <p:blipFill>
+          <a:blip r:embed="rId1"/>
+          <a:stretch>
+            <a:fillRect/>
+          </a:stretch>
+        </p:blipFill>
+        <p:spPr>
+          <a:xfrm>
+            <a:off x="349250" y="1832610"/>
+            <a:ext cx="5681980" cy="3074035"/>
+          </a:xfrm>
+          <a:prstGeom prst="rect">
+            <a:avLst/>
+          </a:prstGeom>
+        </p:spPr>
+      </p:pic>
+      <p:pic>
+        <p:nvPicPr>
+          <p:cNvPr id="4" name="Picture 3" descr="Screenshot from 2022-02-08 06-45-52"/>
+          <p:cNvPicPr>
+            <a:picLocks noChangeAspect="1"/>
+          </p:cNvPicPr>
+          <p:nvPr/>
+        </p:nvPicPr>
+        <p:blipFill>
+          <a:blip r:embed="rId2"/>
+          <a:stretch>
+            <a:fillRect/>
+          </a:stretch>
+        </p:blipFill>
+        <p:spPr>
+          <a:xfrm>
+            <a:off x="6405245" y="1840865"/>
+            <a:ext cx="5414010" cy="3057525"/>
+          </a:xfrm>
+          <a:prstGeom prst="rect">
+            <a:avLst/>
+          </a:prstGeom>
+        </p:spPr>
+      </p:pic>
+      <p:sp>
+        <p:nvSpPr>
+          <p:cNvPr id="9" name="文本框 8"/>
+          <p:cNvSpPr txBox="1"/>
+          <p:nvPr/>
+        </p:nvSpPr>
+        <p:spPr>
+          <a:xfrm>
+            <a:off x="2875915" y="919480"/>
+            <a:ext cx="6841490" cy="706755"/>
+          </a:xfrm>
+          <a:prstGeom prst="rect">
+            <a:avLst/>
+          </a:prstGeom>
+          <a:noFill/>
+        </p:spPr>
+        <p:txBody>
+          <a:bodyPr wrap="square" rtlCol="0">
+            <a:spAutoFit/>
+          </a:bodyPr>
+          <a:p>
+            <a:pPr algn="ctr"/>
+            <a:r>
+              <a:rPr lang="en-US" altLang="en-US" sz="4000" b="1" dirty="0">
+                <a:solidFill>
+                  <a:schemeClr val="accent1">
+                    <a:lumMod val="75000"/>
+                  </a:schemeClr>
+                </a:solidFill>
+                <a:latin typeface="微软雅黑" panose="020B0503020204020204" pitchFamily="34" charset="-122"/>
+                <a:ea typeface="微软雅黑" panose="020B0503020204020204" pitchFamily="34" charset="-122"/>
+              </a:rPr>
+              <a:t>Tracking MLFlow in AWS</a:t>
+            </a:r>
+            <a:endParaRPr lang="en-US" altLang="en-US" sz="4000" b="1" dirty="0">
+              <a:solidFill>
+                <a:schemeClr val="accent1">
+                  <a:lumMod val="75000"/>
+                </a:schemeClr>
+              </a:solidFill>
+              <a:latin typeface="微软雅黑" panose="020B0503020204020204" pitchFamily="34" charset="-122"/>
+              <a:ea typeface="微软雅黑" panose="020B0503020204020204" pitchFamily="34" charset="-122"/>
+            </a:endParaRPr>
+          </a:p>
+        </p:txBody>
+      </p:sp>
+      <p:sp>
+        <p:nvSpPr>
+          <p:cNvPr id="5" name="文本框 2"/>
+          <p:cNvSpPr txBox="1"/>
+          <p:nvPr/>
+        </p:nvSpPr>
+        <p:spPr>
+          <a:xfrm>
+            <a:off x="746088" y="475991"/>
+            <a:ext cx="1071245" cy="398780"/>
+          </a:xfrm>
+          <a:prstGeom prst="rect">
+            <a:avLst/>
+          </a:prstGeom>
+          <a:noFill/>
+        </p:spPr>
+        <p:txBody>
+          <a:bodyPr wrap="none" rtlCol="0">
+            <a:spAutoFit/>
+          </a:bodyPr>
+          <a:p>
+            <a:r>
+              <a:rPr lang="en-US" altLang="en-US" sz="2000" dirty="0">
+                <a:latin typeface="微软雅黑 Light" panose="020B0502040204020203" pitchFamily="34" charset="-122"/>
+                <a:ea typeface="微软雅黑 Light" panose="020B0502040204020203" pitchFamily="34" charset="-122"/>
+              </a:rPr>
+              <a:t>MLFlow</a:t>
+            </a:r>
+            <a:endParaRPr lang="en-US" altLang="zh-CN" sz="2000" dirty="0">
+              <a:latin typeface="微软雅黑 Light" panose="020B0502040204020203" pitchFamily="34" charset="-122"/>
+              <a:ea typeface="微软雅黑 Light" panose="020B0502040204020203" pitchFamily="34" charset="-122"/>
+            </a:endParaRPr>
+          </a:p>
+        </p:txBody>
+      </p:sp>
+      <p:sp>
+        <p:nvSpPr>
+          <p:cNvPr id="6" name="矩形 3"/>
+          <p:cNvSpPr/>
+          <p:nvPr/>
+        </p:nvSpPr>
+        <p:spPr>
+          <a:xfrm>
+            <a:off x="289435" y="545974"/>
+            <a:ext cx="340519" cy="260145"/>
+          </a:xfrm>
+          <a:prstGeom prst="rect">
+            <a:avLst/>
+          </a:prstGeom>
+          <a:solidFill>
+            <a:schemeClr val="accent1">
+              <a:lumMod val="75000"/>
+            </a:schemeClr>
+          </a:solidFill>
+          <a:ln w="28575">
+            <a:solidFill>
+              <a:schemeClr val="tx1">
+                <a:lumMod val="85000"/>
+                <a:lumOff val="15000"/>
+              </a:schemeClr>
+            </a:solidFill>
+          </a:ln>
+        </p:spPr>
+        <p:style>
+          <a:lnRef idx="2">
+            <a:schemeClr val="accent1">
+              <a:shade val="50000"/>
+            </a:schemeClr>
+          </a:lnRef>
+          <a:fillRef idx="1">
+            <a:schemeClr val="accent1"/>
+          </a:fillRef>
+          <a:effectRef idx="0">
+            <a:schemeClr val="accent1"/>
+          </a:effectRef>
+          <a:fontRef idx="minor">
+            <a:schemeClr val="lt1"/>
+          </a:fontRef>
+        </p:style>
+        <p:txBody>
+          <a:bodyPr rot="0" spcFirstLastPara="0" vertOverflow="overflow" horzOverflow="overflow" vert="horz" wrap="square" lIns="91440" tIns="45720" rIns="91440" bIns="45720" numCol="1" spcCol="0" rtlCol="0" fromWordArt="0" anchor="ctr" anchorCtr="0" forceAA="0" compatLnSpc="1">
+            <a:noAutofit/>
+          </a:bodyPr>
+          <a:p>
+            <a:pPr algn="ctr"/>
+            <a:endParaRPr lang="zh-CN" altLang="en-US"/>
+          </a:p>
+        </p:txBody>
+      </p:sp>
+    </p:spTree>
+  </p:cSld>
+  <p:clrMapOvr>
+    <a:masterClrMapping/>
+  </p:clrMapOvr>
+</p:sld>
+</file>
+
+<file path=ppt/slides/slide17.xml><?xml version="1.0" encoding="utf-8"?>
+<p:sld xmlns:a="http://schemas.openxmlformats.org/drawingml/2006/main" xmlns:r="http://schemas.openxmlformats.org/officeDocument/2006/relationships" xmlns:p="http://schemas.openxmlformats.org/presentationml/2006/main">
+  <p:cSld>
+    <p:spTree>
+      <p:nvGrpSpPr>
+        <p:cNvPr id="1" name=""/>
+        <p:cNvGrpSpPr/>
+        <p:nvPr/>
+      </p:nvGrpSpPr>
+      <p:grpSpPr/>
+      <p:sp>
+        <p:nvSpPr>
+          <p:cNvPr id="27" name="PA_圆角矩形 9"/>
+          <p:cNvSpPr/>
+          <p:nvPr>
+            <p:custDataLst>
+              <p:tags r:id="rId1"/>
+            </p:custDataLst>
+          </p:nvPr>
+        </p:nvSpPr>
+        <p:spPr>
+          <a:xfrm>
+            <a:off x="0" y="1967230"/>
+            <a:ext cx="12192000" cy="3415030"/>
+          </a:xfrm>
+          <a:prstGeom prst="roundRect">
+            <a:avLst>
+              <a:gd name="adj" fmla="val 0"/>
+            </a:avLst>
+          </a:prstGeom>
+          <a:solidFill>
+            <a:schemeClr val="bg1">
+              <a:lumMod val="95000"/>
+            </a:schemeClr>
+          </a:solidFill>
+          <a:ln>
+            <a:noFill/>
+          </a:ln>
+          <a:effectLst/>
+        </p:spPr>
+        <p:style>
+          <a:lnRef idx="2">
+            <a:schemeClr val="accent1">
+              <a:shade val="50000"/>
+            </a:schemeClr>
+          </a:lnRef>
+          <a:fillRef idx="1">
+            <a:schemeClr val="accent1"/>
+          </a:fillRef>
+          <a:effectRef idx="0">
+            <a:schemeClr val="accent1"/>
+          </a:effectRef>
+          <a:fontRef idx="minor">
+            <a:schemeClr val="lt1"/>
+          </a:fontRef>
+        </p:style>
+        <p:txBody>
+          <a:bodyPr rtlCol="0" anchor="ctr"/>
+          <a:p>
+            <a:pPr algn="ctr"/>
+            <a:endParaRPr lang="zh-CN" altLang="en-US"/>
+          </a:p>
+        </p:txBody>
+      </p:sp>
+      <p:sp>
+        <p:nvSpPr>
+          <p:cNvPr id="2" name="Text Box 1"/>
+          <p:cNvSpPr txBox="1"/>
+          <p:nvPr/>
+        </p:nvSpPr>
+        <p:spPr>
+          <a:xfrm>
+            <a:off x="1835150" y="2924175"/>
+            <a:ext cx="7476490" cy="2306955"/>
+          </a:xfrm>
+          <a:prstGeom prst="rect">
+            <a:avLst/>
+          </a:prstGeom>
+          <a:noFill/>
+        </p:spPr>
+        <p:txBody>
+          <a:bodyPr wrap="square" rtlCol="0">
+            <a:spAutoFit/>
+          </a:bodyPr>
+          <a:p>
+            <a:pPr marL="285750" indent="-285750">
+              <a:buFont typeface="Arial" panose="020B0604020202020204" pitchFamily="34" charset="0"/>
+              <a:buChar char="•"/>
+            </a:pPr>
+            <a:r>
+              <a:rPr lang="en-US"/>
+              <a:t>Tracking, managing and optimizing models is a slow process. </a:t>
+            </a:r>
+            <a:endParaRPr lang="en-US"/>
+          </a:p>
+          <a:p>
+            <a:pPr marL="285750" indent="-285750">
+              <a:buFont typeface="Arial" panose="020B0604020202020204" pitchFamily="34" charset="0"/>
+              <a:buChar char="•"/>
+            </a:pPr>
+            <a:r>
+              <a:rPr lang="en-US"/>
+              <a:t>Keep experimenting with MLFlow, over the course of time, you will get better at model management.</a:t>
+            </a:r>
+            <a:endParaRPr lang="en-US"/>
+          </a:p>
+          <a:p>
+            <a:pPr marL="285750" indent="-285750">
+              <a:buFont typeface="Arial" panose="020B0604020202020204" pitchFamily="34" charset="0"/>
+              <a:buChar char="•"/>
+            </a:pPr>
+            <a:endParaRPr lang="en-US"/>
+          </a:p>
+          <a:p>
+            <a:pPr indent="0">
+              <a:buFont typeface="Arial" panose="020B0604020202020204" pitchFamily="34" charset="0"/>
+              <a:buNone/>
+            </a:pPr>
+            <a:r>
+              <a:rPr lang="" altLang="en-US" b="1"/>
+              <a:t>Reference </a:t>
+            </a:r>
+            <a:endParaRPr lang="" altLang="en-US"/>
+          </a:p>
+          <a:p>
+            <a:pPr marL="285750" indent="-285750">
+              <a:buFont typeface="Arial" panose="020B0604020202020204" pitchFamily="34" charset="0"/>
+              <a:buChar char="•"/>
+            </a:pPr>
+            <a:r>
+              <a:rPr lang="" altLang="en-US"/>
+              <a:t>https://docs.aws.amazon.com/cli/latest/userguide/cli-configure-quickstart.html</a:t>
+            </a:r>
+            <a:endParaRPr lang="" altLang="en-US"/>
+          </a:p>
+          <a:p>
+            <a:pPr marL="285750" indent="-285750">
+              <a:buFont typeface="Arial" panose="020B0604020202020204" pitchFamily="34" charset="0"/>
+              <a:buChar char="•"/>
+            </a:pPr>
+            <a:endParaRPr lang="" altLang="en-US"/>
+          </a:p>
+        </p:txBody>
+      </p:sp>
+      <p:sp>
+        <p:nvSpPr>
+          <p:cNvPr id="3" name="文本框 2"/>
+          <p:cNvSpPr txBox="1"/>
+          <p:nvPr/>
+        </p:nvSpPr>
+        <p:spPr>
+          <a:xfrm>
+            <a:off x="746088" y="475991"/>
+            <a:ext cx="1071245" cy="398780"/>
+          </a:xfrm>
+          <a:prstGeom prst="rect">
+            <a:avLst/>
+          </a:prstGeom>
+          <a:noFill/>
+        </p:spPr>
+        <p:txBody>
+          <a:bodyPr wrap="none" rtlCol="0">
+            <a:spAutoFit/>
+          </a:bodyPr>
+          <a:p>
+            <a:r>
+              <a:rPr lang="en-US" altLang="en-US" sz="2000" dirty="0">
+                <a:latin typeface="微软雅黑 Light" panose="020B0502040204020203" pitchFamily="34" charset="-122"/>
+                <a:ea typeface="微软雅黑 Light" panose="020B0502040204020203" pitchFamily="34" charset="-122"/>
+              </a:rPr>
+              <a:t>MLFlow</a:t>
+            </a:r>
+            <a:endParaRPr lang="en-US" altLang="zh-CN" sz="2000" dirty="0">
+              <a:latin typeface="微软雅黑 Light" panose="020B0502040204020203" pitchFamily="34" charset="-122"/>
+              <a:ea typeface="微软雅黑 Light" panose="020B0502040204020203" pitchFamily="34" charset="-122"/>
+            </a:endParaRPr>
+          </a:p>
+        </p:txBody>
+      </p:sp>
+      <p:sp>
+        <p:nvSpPr>
+          <p:cNvPr id="4" name="矩形 3"/>
+          <p:cNvSpPr/>
+          <p:nvPr/>
+        </p:nvSpPr>
+        <p:spPr>
+          <a:xfrm>
+            <a:off x="289435" y="545974"/>
+            <a:ext cx="340519" cy="260145"/>
+          </a:xfrm>
+          <a:prstGeom prst="rect">
+            <a:avLst/>
+          </a:prstGeom>
+          <a:solidFill>
+            <a:schemeClr val="accent1">
+              <a:lumMod val="75000"/>
+            </a:schemeClr>
+          </a:solidFill>
+          <a:ln w="28575">
+            <a:solidFill>
+              <a:schemeClr val="tx1">
+                <a:lumMod val="85000"/>
+                <a:lumOff val="15000"/>
+              </a:schemeClr>
+            </a:solidFill>
+          </a:ln>
+        </p:spPr>
+        <p:style>
+          <a:lnRef idx="2">
+            <a:schemeClr val="accent1">
+              <a:shade val="50000"/>
+            </a:schemeClr>
+          </a:lnRef>
+          <a:fillRef idx="1">
+            <a:schemeClr val="accent1"/>
+          </a:fillRef>
+          <a:effectRef idx="0">
+            <a:schemeClr val="accent1"/>
+          </a:effectRef>
+          <a:fontRef idx="minor">
+            <a:schemeClr val="lt1"/>
+          </a:fontRef>
+        </p:style>
+        <p:txBody>
+          <a:bodyPr rot="0" spcFirstLastPara="0" vertOverflow="overflow" horzOverflow="overflow" vert="horz" wrap="square" lIns="91440" tIns="45720" rIns="91440" bIns="45720" numCol="1" spcCol="0" rtlCol="0" fromWordArt="0" anchor="ctr" anchorCtr="0" forceAA="0" compatLnSpc="1">
+            <a:noAutofit/>
+          </a:bodyPr>
+          <a:p>
+            <a:pPr algn="ctr"/>
+            <a:endParaRPr lang="zh-CN" altLang="en-US"/>
+          </a:p>
+        </p:txBody>
+      </p:sp>
+      <p:sp>
+        <p:nvSpPr>
+          <p:cNvPr id="9" name="文本框 8"/>
+          <p:cNvSpPr txBox="1"/>
+          <p:nvPr/>
+        </p:nvSpPr>
+        <p:spPr>
+          <a:xfrm>
+            <a:off x="3703955" y="1181100"/>
+            <a:ext cx="3827780" cy="706755"/>
+          </a:xfrm>
+          <a:prstGeom prst="rect">
+            <a:avLst/>
+          </a:prstGeom>
+          <a:noFill/>
+        </p:spPr>
+        <p:txBody>
+          <a:bodyPr wrap="square" rtlCol="0">
+            <a:spAutoFit/>
+          </a:bodyPr>
+          <a:p>
+            <a:pPr algn="ctr"/>
+            <a:r>
+              <a:rPr lang="en-US" altLang="en-US" sz="4000" b="1" dirty="0">
+                <a:solidFill>
+                  <a:schemeClr val="accent1">
+                    <a:lumMod val="75000"/>
+                  </a:schemeClr>
+                </a:solidFill>
+                <a:latin typeface="微软雅黑" panose="020B0503020204020204" pitchFamily="34" charset="-122"/>
+                <a:ea typeface="微软雅黑" panose="020B0503020204020204" pitchFamily="34" charset="-122"/>
+              </a:rPr>
+              <a:t>Conclusion</a:t>
+            </a:r>
+            <a:endParaRPr lang="en-US" altLang="en-US" sz="4000" b="1" dirty="0">
+              <a:solidFill>
+                <a:schemeClr val="accent1">
+                  <a:lumMod val="75000"/>
+                </a:schemeClr>
+              </a:solidFill>
+              <a:latin typeface="微软雅黑" panose="020B0503020204020204" pitchFamily="34" charset="-122"/>
+              <a:ea typeface="微软雅黑" panose="020B0503020204020204" pitchFamily="34" charset="-122"/>
+            </a:endParaRPr>
+          </a:p>
+        </p:txBody>
+      </p:sp>
     </p:spTree>
   </p:cSld>
   <p:clrMapOvr>
@@ -4199,19 +6066,6 @@
               <a:buAutoNum type="arabicPeriod"/>
             </a:pPr>
             <a:r>
-              <a:rPr lang="" altLang="en-US" sz="2400" b="0" dirty="0">
-                <a:solidFill>
-                  <a:schemeClr val="bg1">
-                    <a:lumMod val="50000"/>
-                  </a:schemeClr>
-                </a:solidFill>
-                <a:latin typeface="+mn-lt"/>
-                <a:ea typeface="+mn-ea"/>
-                <a:sym typeface="+mn-lt"/>
-              </a:rPr>
-              <a:t>Concepts</a:t>
-            </a:r>
-            <a:r>
               <a:rPr lang="en-US" altLang="en-US" sz="2400" b="0" dirty="0">
                 <a:solidFill>
                   <a:schemeClr val="bg1">
@@ -4222,7 +6076,7 @@
                 <a:ea typeface="+mn-ea"/>
                 <a:sym typeface="+mn-lt"/>
               </a:rPr>
-              <a:t> with MLFlow</a:t>
+              <a:t>Concepts with MLFlow</a:t>
             </a:r>
             <a:endParaRPr lang="en-US" altLang="en-US" sz="2400" b="0" dirty="0">
               <a:solidFill>
@@ -4244,7 +6098,7 @@
               <a:buNone/>
             </a:pPr>
             <a:r>
-              <a:rPr lang="" altLang="en-US" sz="2400" b="0" dirty="0">
+              <a:rPr lang="en-US" altLang="en-US" sz="2400" b="0" dirty="0">
                 <a:solidFill>
                   <a:schemeClr val="bg1">
                     <a:lumMod val="50000"/>
@@ -4276,7 +6130,7 @@
               <a:buNone/>
             </a:pPr>
             <a:r>
-              <a:rPr lang="" altLang="en-US" sz="2400" b="0" dirty="0">
+              <a:rPr lang="en-US" altLang="en-US" sz="2400" b="0" dirty="0">
                 <a:solidFill>
                   <a:schemeClr val="bg1">
                     <a:lumMod val="50000"/>
@@ -5062,21 +6916,7 @@
                 <a:latin typeface="微软雅黑 Light" panose="020B0502040204020203" pitchFamily="34" charset="-122"/>
                 <a:ea typeface="微软雅黑 Light" panose="020B0502040204020203" pitchFamily="34" charset="-122"/>
               </a:rPr>
-              <a:t>M</a:t>
-            </a:r>
-            <a:r>
-              <a:rPr lang="" altLang="en-US" sz="2000" dirty="0">
-                <a:latin typeface="微软雅黑 Light" panose="020B0502040204020203" pitchFamily="34" charset="-122"/>
-                <a:ea typeface="微软雅黑 Light" panose="020B0502040204020203" pitchFamily="34" charset="-122"/>
-              </a:rPr>
-              <a:t>L</a:t>
-            </a:r>
-            <a:r>
-              <a:rPr lang="en-US" altLang="en-US" sz="2000" dirty="0">
-                <a:latin typeface="微软雅黑 Light" panose="020B0502040204020203" pitchFamily="34" charset="-122"/>
-                <a:ea typeface="微软雅黑 Light" panose="020B0502040204020203" pitchFamily="34" charset="-122"/>
-              </a:rPr>
-              <a:t>Flow</a:t>
+              <a:t>MLFlow</a:t>
             </a:r>
             <a:endParaRPr lang="en-US" altLang="zh-CN" sz="2000" dirty="0">
               <a:latin typeface="微软雅黑 Light" panose="020B0502040204020203" pitchFamily="34" charset="-122"/>
@@ -5199,8 +7039,8 @@
         </p:nvSpPr>
         <p:spPr>
           <a:xfrm>
-            <a:off x="-1" y="1967389"/>
-            <a:ext cx="12192001" cy="3834645"/>
+            <a:off x="0" y="1967230"/>
+            <a:ext cx="12192000" cy="2794635"/>
           </a:xfrm>
           <a:prstGeom prst="roundRect">
             <a:avLst>
@@ -5294,10 +7134,10 @@
               <a:t>Run experiments with any ML library, framework or language</a:t>
             </a:r>
             <a:r>
-              <a:rPr lang="" altLang="en-US"/>
+              <a:rPr lang="en-US" altLang="en-US"/>
               <a:t>.</a:t>
             </a:r>
-            <a:endParaRPr lang="" altLang="en-US"/>
+            <a:endParaRPr lang="en-US" altLang="en-US"/>
           </a:p>
           <a:p>
             <a:pPr marL="285750" indent="-285750">
@@ -5305,7 +7145,7 @@
               <a:buChar char="•"/>
             </a:pPr>
             <a:r>
-              <a:rPr lang="" altLang="en-US"/>
+              <a:rPr lang="en-US" altLang="en-US"/>
               <a:t>A</a:t>
             </a:r>
             <a:r>
@@ -5367,21 +7207,7 @@
                 <a:latin typeface="微软雅黑 Light" panose="020B0502040204020203" pitchFamily="34" charset="-122"/>
                 <a:ea typeface="微软雅黑 Light" panose="020B0502040204020203" pitchFamily="34" charset="-122"/>
               </a:rPr>
-              <a:t>M</a:t>
-            </a:r>
-            <a:r>
-              <a:rPr lang="" altLang="en-US" sz="2000" dirty="0">
-                <a:latin typeface="微软雅黑 Light" panose="020B0502040204020203" pitchFamily="34" charset="-122"/>
-                <a:ea typeface="微软雅黑 Light" panose="020B0502040204020203" pitchFamily="34" charset="-122"/>
-              </a:rPr>
-              <a:t>L</a:t>
-            </a:r>
-            <a:r>
-              <a:rPr lang="en-US" altLang="en-US" sz="2000" dirty="0">
-                <a:latin typeface="微软雅黑 Light" panose="020B0502040204020203" pitchFamily="34" charset="-122"/>
-                <a:ea typeface="微软雅黑 Light" panose="020B0502040204020203" pitchFamily="34" charset="-122"/>
-              </a:rPr>
-              <a:t>Flow</a:t>
+              <a:t>MLFlow</a:t>
             </a:r>
             <a:endParaRPr lang="en-US" altLang="zh-CN" sz="2000" dirty="0">
               <a:latin typeface="微软雅黑 Light" panose="020B0502040204020203" pitchFamily="34" charset="-122"/>
@@ -5476,31 +7302,7 @@
                 <a:latin typeface="微软雅黑" panose="020B0503020204020204" pitchFamily="34" charset="-122"/>
                 <a:ea typeface="微软雅黑" panose="020B0503020204020204" pitchFamily="34" charset="-122"/>
               </a:rPr>
-              <a:t>Why M</a:t>
-            </a:r>
-            <a:r>
-              <a:rPr lang="" altLang="en-US" sz="4000" b="1" dirty="0">
-                <a:solidFill>
-                  <a:schemeClr val="accent1">
-                    <a:lumMod val="75000"/>
-                  </a:schemeClr>
-                </a:solidFill>
-                <a:latin typeface="微软雅黑" panose="020B0503020204020204" pitchFamily="34" charset="-122"/>
-                <a:ea typeface="微软雅黑" panose="020B0503020204020204" pitchFamily="34" charset="-122"/>
-              </a:rPr>
-              <a:t>L</a:t>
-            </a:r>
-            <a:r>
-              <a:rPr lang="en-US" altLang="en-US" sz="4000" b="1" dirty="0">
-                <a:solidFill>
-                  <a:schemeClr val="accent1">
-                    <a:lumMod val="75000"/>
-                  </a:schemeClr>
-                </a:solidFill>
-                <a:latin typeface="微软雅黑" panose="020B0503020204020204" pitchFamily="34" charset="-122"/>
-                <a:ea typeface="微软雅黑" panose="020B0503020204020204" pitchFamily="34" charset="-122"/>
-              </a:rPr>
-              <a:t>Flow</a:t>
+              <a:t>Why MLFlow</a:t>
             </a:r>
             <a:endParaRPr lang="en-US" altLang="en-US" sz="4000" b="1" dirty="0">
               <a:solidFill>
@@ -5594,10 +7396,10 @@
               <a:buChar char="•"/>
             </a:pPr>
             <a:r>
-              <a:rPr lang="" altLang="en-US"/>
+              <a:rPr lang="en-US" altLang="en-US"/>
               <a:t>MLFlow Keep track of all the parameters tuned and tweaked in the model.</a:t>
             </a:r>
-            <a:endParaRPr lang="" altLang="en-US"/>
+            <a:endParaRPr lang="en-US" altLang="en-US"/>
           </a:p>
           <a:p>
             <a:pPr marL="285750" indent="-285750">
@@ -5605,10 +7407,10 @@
               <a:buChar char="•"/>
             </a:pPr>
             <a:r>
-              <a:rPr lang="" altLang="en-US"/>
+              <a:rPr lang="en-US" altLang="en-US"/>
               <a:t>Keep track of the outputs, accuracy and error scores.</a:t>
             </a:r>
-            <a:endParaRPr lang="" altLang="en-US"/>
+            <a:endParaRPr lang="en-US" altLang="en-US"/>
           </a:p>
           <a:p>
             <a:pPr marL="285750" indent="-285750">
@@ -5616,10 +7418,10 @@
               <a:buChar char="•"/>
             </a:pPr>
             <a:r>
-              <a:rPr lang="" altLang="en-US"/>
+              <a:rPr lang="en-US" altLang="en-US"/>
               <a:t>Maintain the record of models and their related data objects (scalers, imputers, encoders etc.)</a:t>
             </a:r>
-            <a:endParaRPr lang="" altLang="en-US"/>
+            <a:endParaRPr lang="en-US" altLang="en-US"/>
           </a:p>
           <a:p>
             <a:pPr marL="285750" indent="-285750">
@@ -5627,10 +7429,10 @@
               <a:buChar char="•"/>
             </a:pPr>
             <a:r>
-              <a:rPr lang="" altLang="en-US"/>
+              <a:rPr lang="en-US" altLang="en-US"/>
               <a:t>Version their models.</a:t>
             </a:r>
-            <a:endParaRPr lang="" altLang="en-US"/>
+            <a:endParaRPr lang="en-US" altLang="en-US"/>
           </a:p>
           <a:p>
             <a:pPr marL="285750" indent="-285750">
@@ -5638,10 +7440,10 @@
               <a:buChar char="•"/>
             </a:pPr>
             <a:r>
-              <a:rPr lang="" altLang="en-US"/>
+              <a:rPr lang="en-US" altLang="en-US"/>
               <a:t>Share the model with team members — what are the prerequisites/setup needed in place for other members to run the model on their system.</a:t>
             </a:r>
-            <a:endParaRPr lang="" altLang="en-US"/>
+            <a:endParaRPr lang="en-US" altLang="en-US"/>
           </a:p>
           <a:p>
             <a:pPr marL="285750" indent="-285750">
@@ -5649,10 +7451,10 @@
               <a:buChar char="•"/>
             </a:pPr>
             <a:r>
-              <a:rPr lang="" altLang="en-US"/>
+              <a:rPr lang="en-US" altLang="en-US"/>
               <a:t>Wrap their models with API and deploying it, will require extra coding and tech stack knowledge.</a:t>
             </a:r>
-            <a:endParaRPr lang="" altLang="en-US"/>
+            <a:endParaRPr lang="en-US" altLang="en-US"/>
           </a:p>
         </p:txBody>
       </p:sp>
@@ -6685,33 +8487,66 @@
       <p:grpSpPr/>
       <p:sp>
         <p:nvSpPr>
-          <p:cNvPr id="27" name="PA_圆角矩形 9"/>
+          <p:cNvPr id="3" name="文本框 2"/>
+          <p:cNvSpPr txBox="1"/>
+          <p:nvPr/>
+        </p:nvSpPr>
+        <p:spPr>
+          <a:xfrm>
+            <a:off x="746088" y="475991"/>
+            <a:ext cx="1071245" cy="398780"/>
+          </a:xfrm>
+          <a:prstGeom prst="rect">
+            <a:avLst/>
+          </a:prstGeom>
+          <a:noFill/>
+        </p:spPr>
+        <p:txBody>
+          <a:bodyPr wrap="none" rtlCol="0">
+            <a:spAutoFit/>
+          </a:bodyPr>
+          <a:p>
+            <a:r>
+              <a:rPr lang="en-US" altLang="en-US" sz="2000" dirty="0">
+                <a:latin typeface="微软雅黑 Light" panose="020B0502040204020203" pitchFamily="34" charset="-122"/>
+                <a:ea typeface="微软雅黑 Light" panose="020B0502040204020203" pitchFamily="34" charset="-122"/>
+              </a:rPr>
+              <a:t>MLFlow</a:t>
+            </a:r>
+            <a:endParaRPr lang="en-US" altLang="zh-CN" sz="2000" dirty="0">
+              <a:latin typeface="微软雅黑 Light" panose="020B0502040204020203" pitchFamily="34" charset="-122"/>
+              <a:ea typeface="微软雅黑 Light" panose="020B0502040204020203" pitchFamily="34" charset="-122"/>
+            </a:endParaRPr>
+          </a:p>
+        </p:txBody>
+      </p:sp>
+      <p:sp>
+        <p:nvSpPr>
+          <p:cNvPr id="4" name="矩形 3"/>
           <p:cNvSpPr/>
-          <p:nvPr>
-            <p:custDataLst>
-              <p:tags r:id="rId1"/>
-            </p:custDataLst>
-          </p:nvPr>
-        </p:nvSpPr>
-        <p:spPr>
-          <a:xfrm>
-            <a:off x="-1" y="1967389"/>
-            <a:ext cx="12192001" cy="3834645"/>
-          </a:xfrm>
-          <a:prstGeom prst="roundRect">
-            <a:avLst>
-              <a:gd name="adj" fmla="val 0"/>
-            </a:avLst>
+          <p:nvPr/>
+        </p:nvSpPr>
+        <p:spPr>
+          <a:xfrm>
+            <a:off x="289435" y="545974"/>
+            <a:ext cx="340519" cy="260145"/>
+          </a:xfrm>
+          <a:prstGeom prst="rect">
+            <a:avLst/>
           </a:prstGeom>
           <a:solidFill>
-            <a:schemeClr val="bg1">
-              <a:lumMod val="95000"/>
+            <a:schemeClr val="accent1">
+              <a:lumMod val="75000"/>
             </a:schemeClr>
           </a:solidFill>
-          <a:ln>
-            <a:noFill/>
+          <a:ln w="28575">
+            <a:solidFill>
+              <a:schemeClr val="tx1">
+                <a:lumMod val="85000"/>
+                <a:lumOff val="15000"/>
+              </a:schemeClr>
+            </a:solidFill>
           </a:ln>
-          <a:effectLst/>
         </p:spPr>
         <p:style>
           <a:lnRef idx="2">
@@ -6730,23 +8565,67 @@
           </a:fontRef>
         </p:style>
         <p:txBody>
-          <a:bodyPr rtlCol="0" anchor="ctr"/>
+          <a:bodyPr rot="0" spcFirstLastPara="0" vertOverflow="overflow" horzOverflow="overflow" vert="horz" wrap="square" lIns="91440" tIns="45720" rIns="91440" bIns="45720" numCol="1" spcCol="0" rtlCol="0" fromWordArt="0" anchor="ctr" anchorCtr="0" forceAA="0" compatLnSpc="1">
+            <a:noAutofit/>
+          </a:bodyPr>
           <a:p>
             <a:pPr algn="ctr"/>
             <a:endParaRPr lang="zh-CN" altLang="en-US"/>
           </a:p>
         </p:txBody>
       </p:sp>
-      <p:sp>
-        <p:nvSpPr>
-          <p:cNvPr id="2" name="Text Box 1"/>
+      <p:pic>
+        <p:nvPicPr>
+          <p:cNvPr id="6" name="Picture 5" descr="mlflow-components2"/>
+          <p:cNvPicPr>
+            <a:picLocks noChangeAspect="1"/>
+          </p:cNvPicPr>
+          <p:nvPr/>
+        </p:nvPicPr>
+        <p:blipFill>
+          <a:blip r:embed="rId1"/>
+          <a:stretch>
+            <a:fillRect/>
+          </a:stretch>
+        </p:blipFill>
+        <p:spPr>
+          <a:xfrm>
+            <a:off x="2139950" y="1477010"/>
+            <a:ext cx="8334375" cy="3352800"/>
+          </a:xfrm>
+          <a:prstGeom prst="rect">
+            <a:avLst/>
+          </a:prstGeom>
+        </p:spPr>
+      </p:pic>
+    </p:spTree>
+  </p:cSld>
+  <p:clrMapOvr>
+    <a:masterClrMapping/>
+  </p:clrMapOvr>
+</p:sld>
+</file>
+
+<file path=ppt/slides/slide7.xml><?xml version="1.0" encoding="utf-8"?>
+<p:sld xmlns:a="http://schemas.openxmlformats.org/drawingml/2006/main" xmlns:r="http://schemas.openxmlformats.org/officeDocument/2006/relationships" xmlns:p="http://schemas.openxmlformats.org/presentationml/2006/main">
+  <p:cSld>
+    <p:spTree>
+      <p:nvGrpSpPr>
+        <p:cNvPr id="1" name=""/>
+        <p:cNvGrpSpPr/>
+        <p:nvPr/>
+      </p:nvGrpSpPr>
+      <p:grpSpPr/>
+      <p:sp>
+        <p:nvSpPr>
+          <p:cNvPr id="3" name="文本框 2"/>
           <p:cNvSpPr txBox="1"/>
           <p:nvPr/>
         </p:nvSpPr>
         <p:spPr>
           <a:xfrm>
-            <a:off x="1835150" y="2924175"/>
-            <a:ext cx="7476490" cy="1476375"/>
+            <a:off x="746088" y="475991"/>
+            <a:ext cx="1071245" cy="398780"/>
           </a:xfrm>
           <a:prstGeom prst="rect">
             <a:avLst/>
@@ -6754,61 +8633,6 @@
           <a:noFill/>
         </p:spPr>
         <p:txBody>
-          <a:bodyPr wrap="square" rtlCol="0">
-            <a:spAutoFit/>
-          </a:bodyPr>
-          <a:p>
-            <a:pPr marL="285750" indent="-285750">
-              <a:buFont typeface="Arial" panose="020B0604020202020204" pitchFamily="34" charset="0"/>
-              <a:buChar char="•"/>
-            </a:pPr>
-            <a:r>
-              <a:rPr lang="en-US"/>
-              <a:t>Metaflow lacks an overview or a UI that will make this metadata, logging &amp; tracking more accessible to us developers.</a:t>
-            </a:r>
-            <a:endParaRPr lang="en-US"/>
-          </a:p>
-          <a:p>
-            <a:pPr marL="285750" indent="-285750">
-              <a:buFont typeface="Arial" panose="020B0604020202020204" pitchFamily="34" charset="0"/>
-              <a:buChar char="•"/>
-            </a:pPr>
-            <a:r>
-              <a:rPr lang="en-US"/>
-              <a:t>Also the easy comparison between flows or models isn’t there. </a:t>
-            </a:r>
-            <a:endParaRPr lang="en-US"/>
-          </a:p>
-          <a:p>
-            <a:pPr marL="285750" indent="-285750">
-              <a:buFont typeface="Arial" panose="020B0604020202020204" pitchFamily="34" charset="0"/>
-              <a:buChar char="•"/>
-            </a:pPr>
-            <a:r>
-              <a:rPr lang="en-US"/>
-              <a:t>Metaflow seems to be highly intertwined with AWS (Sagemaker), which is great.</a:t>
-            </a:r>
-            <a:endParaRPr lang="en-US"/>
-          </a:p>
-        </p:txBody>
-      </p:sp>
-      <p:sp>
-        <p:nvSpPr>
-          <p:cNvPr id="3" name="文本框 2"/>
-          <p:cNvSpPr txBox="1"/>
-          <p:nvPr/>
-        </p:nvSpPr>
-        <p:spPr>
-          <a:xfrm>
-            <a:off x="746088" y="475991"/>
-            <a:ext cx="1471930" cy="398780"/>
-          </a:xfrm>
-          <a:prstGeom prst="rect">
-            <a:avLst/>
-          </a:prstGeom>
-          <a:noFill/>
-        </p:spPr>
-        <p:txBody>
           <a:bodyPr wrap="none" rtlCol="0">
             <a:spAutoFit/>
           </a:bodyPr>
@@ -6818,7 +8642,7 @@
                 <a:latin typeface="微软雅黑 Light" panose="020B0502040204020203" pitchFamily="34" charset="-122"/>
                 <a:ea typeface="微软雅黑 Light" panose="020B0502040204020203" pitchFamily="34" charset="-122"/>
               </a:rPr>
-              <a:t>META Flow</a:t>
+              <a:t>MLFlow</a:t>
             </a:r>
             <a:endParaRPr lang="en-US" altLang="zh-CN" sz="2000" dirty="0">
               <a:latin typeface="微软雅黑 Light" panose="020B0502040204020203" pitchFamily="34" charset="-122"/>
@@ -6883,14 +8707,60 @@
       </p:sp>
       <p:sp>
         <p:nvSpPr>
+          <p:cNvPr id="2" name="Text Box 1"/>
+          <p:cNvSpPr txBox="1"/>
+          <p:nvPr/>
+        </p:nvSpPr>
+        <p:spPr>
+          <a:xfrm>
+            <a:off x="5335270" y="2002790"/>
+            <a:ext cx="5854700" cy="3415030"/>
+          </a:xfrm>
+          <a:prstGeom prst="rect">
+            <a:avLst/>
+          </a:prstGeom>
+          <a:noFill/>
+        </p:spPr>
+        <p:txBody>
+          <a:bodyPr wrap="square" rtlCol="0" anchor="t">
+            <a:spAutoFit/>
+          </a:bodyPr>
+          <a:p>
+            <a:pPr algn="just"/>
+            <a:r>
+              <a:rPr lang="en-US"/>
+              <a:t>As a data scientist or ML engineer, you will spend a lot of time improving the models that you have created. </a:t>
+            </a:r>
+            <a:endParaRPr lang="en-US"/>
+          </a:p>
+          <a:p>
+            <a:pPr algn="just"/>
+            <a:r>
+              <a:rPr lang="en-US"/>
+              <a:t>It becomes tedious to keep track of what parameters you have tweaked, which particular combination gives you better performance and which error metric you need to compare. </a:t>
+            </a:r>
+            <a:endParaRPr lang="en-US"/>
+          </a:p>
+          <a:p>
+            <a:pPr algn="just"/>
+            <a:r>
+              <a:rPr lang="en-US"/>
+              <a:t>Model Tracking is an important concept to understand. It’s easier to track model performance and compare the models when you have all the metrics and measures tabulated and readily available.</a:t>
+            </a:r>
+            <a:endParaRPr lang="en-US"/>
+          </a:p>
+        </p:txBody>
+      </p:sp>
+      <p:sp>
+        <p:nvSpPr>
           <p:cNvPr id="9" name="文本框 8"/>
           <p:cNvSpPr txBox="1"/>
           <p:nvPr/>
         </p:nvSpPr>
         <p:spPr>
           <a:xfrm>
-            <a:off x="3703955" y="1181100"/>
-            <a:ext cx="3827780" cy="706755"/>
+            <a:off x="3662680" y="970280"/>
+            <a:ext cx="4625975" cy="706755"/>
           </a:xfrm>
           <a:prstGeom prst="rect">
             <a:avLst/>
@@ -6913,7 +8783,7 @@
                 <a:latin typeface="微软雅黑" panose="020B0503020204020204" pitchFamily="34" charset="-122"/>
                 <a:ea typeface="微软雅黑" panose="020B0503020204020204" pitchFamily="34" charset="-122"/>
               </a:rPr>
-              <a:t>Conclusion</a:t>
+              <a:t>Model Tracking</a:t>
             </a:r>
             <a:endParaRPr lang="en-US" altLang="en-US" sz="4000" b="1" dirty="0">
               <a:solidFill>
@@ -6924,6 +8794,444 @@
               <a:latin typeface="微软雅黑" panose="020B0503020204020204" pitchFamily="34" charset="-122"/>
               <a:ea typeface="微软雅黑" panose="020B0503020204020204" pitchFamily="34" charset="-122"/>
             </a:endParaRPr>
+          </a:p>
+        </p:txBody>
+      </p:sp>
+      <p:pic>
+        <p:nvPicPr>
+          <p:cNvPr id="5" name="Picture 4" descr="1_RNf7Y1Sw6BT0SuoPK29iFQ"/>
+          <p:cNvPicPr>
+            <a:picLocks noChangeAspect="1"/>
+          </p:cNvPicPr>
+          <p:nvPr/>
+        </p:nvPicPr>
+        <p:blipFill>
+          <a:blip r:embed="rId1"/>
+          <a:stretch>
+            <a:fillRect/>
+          </a:stretch>
+        </p:blipFill>
+        <p:spPr>
+          <a:xfrm>
+            <a:off x="890905" y="1883410"/>
+            <a:ext cx="3376930" cy="3376930"/>
+          </a:xfrm>
+          <a:prstGeom prst="rect">
+            <a:avLst/>
+          </a:prstGeom>
+        </p:spPr>
+      </p:pic>
+    </p:spTree>
+  </p:cSld>
+  <p:clrMapOvr>
+    <a:masterClrMapping/>
+  </p:clrMapOvr>
+</p:sld>
+</file>
+
+<file path=ppt/slides/slide8.xml><?xml version="1.0" encoding="utf-8"?>
+<p:sld xmlns:a="http://schemas.openxmlformats.org/drawingml/2006/main" xmlns:r="http://schemas.openxmlformats.org/officeDocument/2006/relationships" xmlns:p="http://schemas.openxmlformats.org/presentationml/2006/main">
+  <p:cSld>
+    <p:spTree>
+      <p:nvGrpSpPr>
+        <p:cNvPr id="1" name=""/>
+        <p:cNvGrpSpPr/>
+        <p:nvPr/>
+      </p:nvGrpSpPr>
+      <p:grpSpPr/>
+      <p:sp>
+        <p:nvSpPr>
+          <p:cNvPr id="3" name="文本框 2"/>
+          <p:cNvSpPr txBox="1"/>
+          <p:nvPr/>
+        </p:nvSpPr>
+        <p:spPr>
+          <a:xfrm>
+            <a:off x="746088" y="475991"/>
+            <a:ext cx="1071245" cy="398780"/>
+          </a:xfrm>
+          <a:prstGeom prst="rect">
+            <a:avLst/>
+          </a:prstGeom>
+          <a:noFill/>
+        </p:spPr>
+        <p:txBody>
+          <a:bodyPr wrap="none" rtlCol="0">
+            <a:spAutoFit/>
+          </a:bodyPr>
+          <a:p>
+            <a:r>
+              <a:rPr lang="en-US" altLang="en-US" sz="2000" dirty="0">
+                <a:latin typeface="微软雅黑 Light" panose="020B0502040204020203" pitchFamily="34" charset="-122"/>
+                <a:ea typeface="微软雅黑 Light" panose="020B0502040204020203" pitchFamily="34" charset="-122"/>
+              </a:rPr>
+              <a:t>MLFlow</a:t>
+            </a:r>
+            <a:endParaRPr lang="en-US" altLang="zh-CN" sz="2000" dirty="0">
+              <a:latin typeface="微软雅黑 Light" panose="020B0502040204020203" pitchFamily="34" charset="-122"/>
+              <a:ea typeface="微软雅黑 Light" panose="020B0502040204020203" pitchFamily="34" charset="-122"/>
+            </a:endParaRPr>
+          </a:p>
+        </p:txBody>
+      </p:sp>
+      <p:sp>
+        <p:nvSpPr>
+          <p:cNvPr id="4" name="矩形 3"/>
+          <p:cNvSpPr/>
+          <p:nvPr/>
+        </p:nvSpPr>
+        <p:spPr>
+          <a:xfrm>
+            <a:off x="289435" y="545974"/>
+            <a:ext cx="340519" cy="260145"/>
+          </a:xfrm>
+          <a:prstGeom prst="rect">
+            <a:avLst/>
+          </a:prstGeom>
+          <a:solidFill>
+            <a:schemeClr val="accent1">
+              <a:lumMod val="75000"/>
+            </a:schemeClr>
+          </a:solidFill>
+          <a:ln w="28575">
+            <a:solidFill>
+              <a:schemeClr val="tx1">
+                <a:lumMod val="85000"/>
+                <a:lumOff val="15000"/>
+              </a:schemeClr>
+            </a:solidFill>
+          </a:ln>
+        </p:spPr>
+        <p:style>
+          <a:lnRef idx="2">
+            <a:schemeClr val="accent1">
+              <a:shade val="50000"/>
+            </a:schemeClr>
+          </a:lnRef>
+          <a:fillRef idx="1">
+            <a:schemeClr val="accent1"/>
+          </a:fillRef>
+          <a:effectRef idx="0">
+            <a:schemeClr val="accent1"/>
+          </a:effectRef>
+          <a:fontRef idx="minor">
+            <a:schemeClr val="lt1"/>
+          </a:fontRef>
+        </p:style>
+        <p:txBody>
+          <a:bodyPr rot="0" spcFirstLastPara="0" vertOverflow="overflow" horzOverflow="overflow" vert="horz" wrap="square" lIns="91440" tIns="45720" rIns="91440" bIns="45720" numCol="1" spcCol="0" rtlCol="0" fromWordArt="0" anchor="ctr" anchorCtr="0" forceAA="0" compatLnSpc="1">
+            <a:noAutofit/>
+          </a:bodyPr>
+          <a:p>
+            <a:pPr algn="ctr"/>
+            <a:endParaRPr lang="zh-CN" altLang="en-US"/>
+          </a:p>
+        </p:txBody>
+      </p:sp>
+      <p:sp>
+        <p:nvSpPr>
+          <p:cNvPr id="2" name="Text Box 1"/>
+          <p:cNvSpPr txBox="1"/>
+          <p:nvPr/>
+        </p:nvSpPr>
+        <p:spPr>
+          <a:xfrm>
+            <a:off x="1712595" y="2002790"/>
+            <a:ext cx="9477375" cy="2306955"/>
+          </a:xfrm>
+          <a:prstGeom prst="rect">
+            <a:avLst/>
+          </a:prstGeom>
+          <a:noFill/>
+        </p:spPr>
+        <p:txBody>
+          <a:bodyPr wrap="square" rtlCol="0" anchor="t">
+            <a:spAutoFit/>
+          </a:bodyPr>
+          <a:p>
+            <a:pPr algn="just"/>
+            <a:r>
+              <a:rPr lang="en-US"/>
+              <a:t>All software developed generally follow a design or architecture pattern, this is not the case when it comes to machine learning. </a:t>
+            </a:r>
+            <a:endParaRPr lang="en-US"/>
+          </a:p>
+          <a:p>
+            <a:pPr algn="just"/>
+            <a:endParaRPr lang="en-US"/>
+          </a:p>
+          <a:p>
+            <a:pPr algn="just"/>
+            <a:r>
+              <a:rPr lang="en-US"/>
+              <a:t>It becomes difficult to share the code and setup model across systems in a team or organization.</a:t>
+            </a:r>
+            <a:endParaRPr lang="en-US"/>
+          </a:p>
+          <a:p>
+            <a:pPr algn="just"/>
+            <a:endParaRPr lang="en-US"/>
+          </a:p>
+          <a:p>
+            <a:pPr algn="just"/>
+            <a:r>
+              <a:rPr lang="en-US"/>
+              <a:t>MLFlow creates a standardized pattern and structure which covers most ML use cases and makes the code easily portable. </a:t>
+            </a:r>
+            <a:endParaRPr lang="en-US"/>
+          </a:p>
+        </p:txBody>
+      </p:sp>
+      <p:sp>
+        <p:nvSpPr>
+          <p:cNvPr id="9" name="文本框 8"/>
+          <p:cNvSpPr txBox="1"/>
+          <p:nvPr/>
+        </p:nvSpPr>
+        <p:spPr>
+          <a:xfrm>
+            <a:off x="3662680" y="970280"/>
+            <a:ext cx="4625975" cy="706755"/>
+          </a:xfrm>
+          <a:prstGeom prst="rect">
+            <a:avLst/>
+          </a:prstGeom>
+          <a:noFill/>
+        </p:spPr>
+        <p:txBody>
+          <a:bodyPr wrap="square" rtlCol="0">
+            <a:spAutoFit/>
+          </a:bodyPr>
+          <a:p>
+            <a:pPr algn="ctr"/>
+            <a:r>
+              <a:rPr lang="en-US" altLang="en-US" sz="4000" b="1" dirty="0">
+                <a:solidFill>
+                  <a:schemeClr val="accent1">
+                    <a:lumMod val="75000"/>
+                  </a:schemeClr>
+                </a:solidFill>
+                <a:latin typeface="微软雅黑" panose="020B0503020204020204" pitchFamily="34" charset="-122"/>
+                <a:ea typeface="微软雅黑" panose="020B0503020204020204" pitchFamily="34" charset="-122"/>
+              </a:rPr>
+              <a:t>Model Project</a:t>
+            </a:r>
+            <a:endParaRPr lang="en-US" altLang="en-US" sz="4000" b="1" dirty="0">
+              <a:solidFill>
+                <a:schemeClr val="accent1">
+                  <a:lumMod val="75000"/>
+                </a:schemeClr>
+              </a:solidFill>
+              <a:latin typeface="微软雅黑" panose="020B0503020204020204" pitchFamily="34" charset="-122"/>
+              <a:ea typeface="微软雅黑" panose="020B0503020204020204" pitchFamily="34" charset="-122"/>
+            </a:endParaRPr>
+          </a:p>
+        </p:txBody>
+      </p:sp>
+    </p:spTree>
+  </p:cSld>
+  <p:clrMapOvr>
+    <a:masterClrMapping/>
+  </p:clrMapOvr>
+</p:sld>
+</file>
+
+<file path=ppt/slides/slide9.xml><?xml version="1.0" encoding="utf-8"?>
+<p:sld xmlns:a="http://schemas.openxmlformats.org/drawingml/2006/main" xmlns:r="http://schemas.openxmlformats.org/officeDocument/2006/relationships" xmlns:p="http://schemas.openxmlformats.org/presentationml/2006/main">
+  <p:cSld>
+    <p:spTree>
+      <p:nvGrpSpPr>
+        <p:cNvPr id="1" name=""/>
+        <p:cNvGrpSpPr/>
+        <p:nvPr/>
+      </p:nvGrpSpPr>
+      <p:grpSpPr/>
+      <p:sp>
+        <p:nvSpPr>
+          <p:cNvPr id="3" name="文本框 2"/>
+          <p:cNvSpPr txBox="1"/>
+          <p:nvPr/>
+        </p:nvSpPr>
+        <p:spPr>
+          <a:xfrm>
+            <a:off x="746088" y="475991"/>
+            <a:ext cx="1071245" cy="398780"/>
+          </a:xfrm>
+          <a:prstGeom prst="rect">
+            <a:avLst/>
+          </a:prstGeom>
+          <a:noFill/>
+        </p:spPr>
+        <p:txBody>
+          <a:bodyPr wrap="none" rtlCol="0">
+            <a:spAutoFit/>
+          </a:bodyPr>
+          <a:p>
+            <a:r>
+              <a:rPr lang="en-US" altLang="en-US" sz="2000" dirty="0">
+                <a:latin typeface="微软雅黑 Light" panose="020B0502040204020203" pitchFamily="34" charset="-122"/>
+                <a:ea typeface="微软雅黑 Light" panose="020B0502040204020203" pitchFamily="34" charset="-122"/>
+              </a:rPr>
+              <a:t>MLFlow</a:t>
+            </a:r>
+            <a:endParaRPr lang="en-US" altLang="zh-CN" sz="2000" dirty="0">
+              <a:latin typeface="微软雅黑 Light" panose="020B0502040204020203" pitchFamily="34" charset="-122"/>
+              <a:ea typeface="微软雅黑 Light" panose="020B0502040204020203" pitchFamily="34" charset="-122"/>
+            </a:endParaRPr>
+          </a:p>
+        </p:txBody>
+      </p:sp>
+      <p:sp>
+        <p:nvSpPr>
+          <p:cNvPr id="4" name="矩形 3"/>
+          <p:cNvSpPr/>
+          <p:nvPr/>
+        </p:nvSpPr>
+        <p:spPr>
+          <a:xfrm>
+            <a:off x="289435" y="545974"/>
+            <a:ext cx="340519" cy="260145"/>
+          </a:xfrm>
+          <a:prstGeom prst="rect">
+            <a:avLst/>
+          </a:prstGeom>
+          <a:solidFill>
+            <a:schemeClr val="accent1">
+              <a:lumMod val="75000"/>
+            </a:schemeClr>
+          </a:solidFill>
+          <a:ln w="28575">
+            <a:solidFill>
+              <a:schemeClr val="tx1">
+                <a:lumMod val="85000"/>
+                <a:lumOff val="15000"/>
+              </a:schemeClr>
+            </a:solidFill>
+          </a:ln>
+        </p:spPr>
+        <p:style>
+          <a:lnRef idx="2">
+            <a:schemeClr val="accent1">
+              <a:shade val="50000"/>
+            </a:schemeClr>
+          </a:lnRef>
+          <a:fillRef idx="1">
+            <a:schemeClr val="accent1"/>
+          </a:fillRef>
+          <a:effectRef idx="0">
+            <a:schemeClr val="accent1"/>
+          </a:effectRef>
+          <a:fontRef idx="minor">
+            <a:schemeClr val="lt1"/>
+          </a:fontRef>
+        </p:style>
+        <p:txBody>
+          <a:bodyPr rot="0" spcFirstLastPara="0" vertOverflow="overflow" horzOverflow="overflow" vert="horz" wrap="square" lIns="91440" tIns="45720" rIns="91440" bIns="45720" numCol="1" spcCol="0" rtlCol="0" fromWordArt="0" anchor="ctr" anchorCtr="0" forceAA="0" compatLnSpc="1">
+            <a:noAutofit/>
+          </a:bodyPr>
+          <a:p>
+            <a:pPr algn="ctr"/>
+            <a:endParaRPr lang="zh-CN" altLang="en-US"/>
+          </a:p>
+        </p:txBody>
+      </p:sp>
+      <p:sp>
+        <p:nvSpPr>
+          <p:cNvPr id="9" name="文本框 8"/>
+          <p:cNvSpPr txBox="1"/>
+          <p:nvPr/>
+        </p:nvSpPr>
+        <p:spPr>
+          <a:xfrm>
+            <a:off x="3662680" y="970280"/>
+            <a:ext cx="4625975" cy="706755"/>
+          </a:xfrm>
+          <a:prstGeom prst="rect">
+            <a:avLst/>
+          </a:prstGeom>
+          <a:noFill/>
+        </p:spPr>
+        <p:txBody>
+          <a:bodyPr wrap="square" rtlCol="0">
+            <a:spAutoFit/>
+          </a:bodyPr>
+          <a:p>
+            <a:pPr algn="ctr"/>
+            <a:r>
+              <a:rPr lang="en-US" altLang="en-US" sz="4000" b="1" dirty="0">
+                <a:solidFill>
+                  <a:schemeClr val="accent1">
+                    <a:lumMod val="75000"/>
+                  </a:schemeClr>
+                </a:solidFill>
+                <a:latin typeface="微软雅黑" panose="020B0503020204020204" pitchFamily="34" charset="-122"/>
+                <a:ea typeface="微软雅黑" panose="020B0503020204020204" pitchFamily="34" charset="-122"/>
+              </a:rPr>
+              <a:t>ML Model </a:t>
+            </a:r>
+            <a:endParaRPr lang="en-US" altLang="en-US" sz="4000" b="1" dirty="0">
+              <a:solidFill>
+                <a:schemeClr val="accent1">
+                  <a:lumMod val="75000"/>
+                </a:schemeClr>
+              </a:solidFill>
+              <a:latin typeface="微软雅黑" panose="020B0503020204020204" pitchFamily="34" charset="-122"/>
+              <a:ea typeface="微软雅黑" panose="020B0503020204020204" pitchFamily="34" charset="-122"/>
+            </a:endParaRPr>
+          </a:p>
+        </p:txBody>
+      </p:sp>
+      <p:sp>
+        <p:nvSpPr>
+          <p:cNvPr id="2" name="Text Box 1"/>
+          <p:cNvSpPr txBox="1"/>
+          <p:nvPr/>
+        </p:nvSpPr>
+        <p:spPr>
+          <a:xfrm>
+            <a:off x="2336800" y="2188845"/>
+            <a:ext cx="7898765" cy="2861310"/>
+          </a:xfrm>
+          <a:prstGeom prst="rect">
+            <a:avLst/>
+          </a:prstGeom>
+          <a:noFill/>
+        </p:spPr>
+        <p:txBody>
+          <a:bodyPr wrap="square" rtlCol="0" anchor="t">
+            <a:spAutoFit/>
+          </a:bodyPr>
+          <a:p>
+            <a:pPr algn="just"/>
+            <a:r>
+              <a:rPr lang="en-US"/>
+              <a:t>Once your model is ready, you want your model to be deployed to a cloud or an edge device. </a:t>
+            </a:r>
+            <a:endParaRPr lang="en-US"/>
+          </a:p>
+          <a:p>
+            <a:pPr algn="just"/>
+            <a:endParaRPr lang="en-US"/>
+          </a:p>
+          <a:p>
+            <a:pPr algn="just"/>
+            <a:r>
+              <a:rPr lang="en-US"/>
+              <a:t>You need to package your model to deploy it. Packaging a model involves specifying what environment your model requires, what is the signature of your model i.e what is the input your model needs and in what format should the input be provided? </a:t>
+            </a:r>
+            <a:endParaRPr lang="en-US"/>
+          </a:p>
+          <a:p>
+            <a:pPr algn="just"/>
+            <a:endParaRPr lang="en-US"/>
+          </a:p>
+          <a:p>
+            <a:pPr algn="just"/>
+            <a:r>
+              <a:rPr lang="en-US"/>
+              <a:t>Once you have packaged the model, you can store it in a pickle format and can be deployed.</a:t>
+            </a:r>
+            <a:endParaRPr lang="en-US"/>
           </a:p>
         </p:txBody>
       </p:sp>
